--- a/Microsoft PowerPoint-Präsentation (neu).pptx
+++ b/Microsoft PowerPoint-Präsentation (neu).pptx
@@ -268,7 +268,7 @@
           <a:p>
             <a:fld id="{AC388E9C-BE03-4D12-9C2B-9D11FB1AF24E}" type="datetimeFigureOut">
               <a:rPr lang="de-DE" smtClean="0"/>
-              <a:t>04.08.2023</a:t>
+              <a:t>14.08.2023</a:t>
             </a:fld>
             <a:endParaRPr lang="de-DE"/>
           </a:p>
@@ -466,7 +466,7 @@
           <a:p>
             <a:fld id="{AC388E9C-BE03-4D12-9C2B-9D11FB1AF24E}" type="datetimeFigureOut">
               <a:rPr lang="de-DE" smtClean="0"/>
-              <a:t>04.08.2023</a:t>
+              <a:t>14.08.2023</a:t>
             </a:fld>
             <a:endParaRPr lang="de-DE"/>
           </a:p>
@@ -674,7 +674,7 @@
           <a:p>
             <a:fld id="{AC388E9C-BE03-4D12-9C2B-9D11FB1AF24E}" type="datetimeFigureOut">
               <a:rPr lang="de-DE" smtClean="0"/>
-              <a:t>04.08.2023</a:t>
+              <a:t>14.08.2023</a:t>
             </a:fld>
             <a:endParaRPr lang="de-DE"/>
           </a:p>
@@ -872,7 +872,7 @@
           <a:p>
             <a:fld id="{AC388E9C-BE03-4D12-9C2B-9D11FB1AF24E}" type="datetimeFigureOut">
               <a:rPr lang="de-DE" smtClean="0"/>
-              <a:t>04.08.2023</a:t>
+              <a:t>14.08.2023</a:t>
             </a:fld>
             <a:endParaRPr lang="de-DE"/>
           </a:p>
@@ -1147,7 +1147,7 @@
           <a:p>
             <a:fld id="{AC388E9C-BE03-4D12-9C2B-9D11FB1AF24E}" type="datetimeFigureOut">
               <a:rPr lang="de-DE" smtClean="0"/>
-              <a:t>04.08.2023</a:t>
+              <a:t>14.08.2023</a:t>
             </a:fld>
             <a:endParaRPr lang="de-DE"/>
           </a:p>
@@ -1412,7 +1412,7 @@
           <a:p>
             <a:fld id="{AC388E9C-BE03-4D12-9C2B-9D11FB1AF24E}" type="datetimeFigureOut">
               <a:rPr lang="de-DE" smtClean="0"/>
-              <a:t>04.08.2023</a:t>
+              <a:t>14.08.2023</a:t>
             </a:fld>
             <a:endParaRPr lang="de-DE"/>
           </a:p>
@@ -1824,7 +1824,7 @@
           <a:p>
             <a:fld id="{AC388E9C-BE03-4D12-9C2B-9D11FB1AF24E}" type="datetimeFigureOut">
               <a:rPr lang="de-DE" smtClean="0"/>
-              <a:t>04.08.2023</a:t>
+              <a:t>14.08.2023</a:t>
             </a:fld>
             <a:endParaRPr lang="de-DE"/>
           </a:p>
@@ -1965,7 +1965,7 @@
           <a:p>
             <a:fld id="{AC388E9C-BE03-4D12-9C2B-9D11FB1AF24E}" type="datetimeFigureOut">
               <a:rPr lang="de-DE" smtClean="0"/>
-              <a:t>04.08.2023</a:t>
+              <a:t>14.08.2023</a:t>
             </a:fld>
             <a:endParaRPr lang="de-DE"/>
           </a:p>
@@ -2078,7 +2078,7 @@
           <a:p>
             <a:fld id="{AC388E9C-BE03-4D12-9C2B-9D11FB1AF24E}" type="datetimeFigureOut">
               <a:rPr lang="de-DE" smtClean="0"/>
-              <a:t>04.08.2023</a:t>
+              <a:t>14.08.2023</a:t>
             </a:fld>
             <a:endParaRPr lang="de-DE"/>
           </a:p>
@@ -2389,7 +2389,7 @@
           <a:p>
             <a:fld id="{AC388E9C-BE03-4D12-9C2B-9D11FB1AF24E}" type="datetimeFigureOut">
               <a:rPr lang="de-DE" smtClean="0"/>
-              <a:t>04.08.2023</a:t>
+              <a:t>14.08.2023</a:t>
             </a:fld>
             <a:endParaRPr lang="de-DE"/>
           </a:p>
@@ -2677,7 +2677,7 @@
           <a:p>
             <a:fld id="{AC388E9C-BE03-4D12-9C2B-9D11FB1AF24E}" type="datetimeFigureOut">
               <a:rPr lang="de-DE" smtClean="0"/>
-              <a:t>04.08.2023</a:t>
+              <a:t>14.08.2023</a:t>
             </a:fld>
             <a:endParaRPr lang="de-DE"/>
           </a:p>
@@ -2918,7 +2918,7 @@
           <a:p>
             <a:fld id="{AC388E9C-BE03-4D12-9C2B-9D11FB1AF24E}" type="datetimeFigureOut">
               <a:rPr lang="de-DE" smtClean="0"/>
-              <a:t>04.08.2023</a:t>
+              <a:t>14.08.2023</a:t>
             </a:fld>
             <a:endParaRPr lang="de-DE"/>
           </a:p>
@@ -4117,6 +4117,80 @@
                 <a:srgbClr val="FF0000"/>
               </a:solidFill>
             </a:endParaRPr>
+          </a:p>
+        </p:txBody>
+      </p:sp>
+      <p:sp>
+        <p:nvSpPr>
+          <p:cNvPr id="2" name="Textfeld 1">
+            <a:extLst>
+              <a:ext uri="{FF2B5EF4-FFF2-40B4-BE49-F238E27FC236}">
+                <a16:creationId xmlns:a16="http://schemas.microsoft.com/office/drawing/2014/main" id="{DD0336E4-3001-902E-DBA4-9AF98A641847}"/>
+              </a:ext>
+            </a:extLst>
+          </p:cNvPr>
+          <p:cNvSpPr txBox="1"/>
+          <p:nvPr/>
+        </p:nvSpPr>
+        <p:spPr>
+          <a:xfrm rot="16200000">
+            <a:off x="397647" y="3348420"/>
+            <a:ext cx="2368081" cy="246221"/>
+          </a:xfrm>
+          <a:prstGeom prst="rect">
+            <a:avLst/>
+          </a:prstGeom>
+          <a:solidFill>
+            <a:schemeClr val="bg1"/>
+          </a:solidFill>
+        </p:spPr>
+        <p:txBody>
+          <a:bodyPr wrap="square" rtlCol="0">
+            <a:spAutoFit/>
+          </a:bodyPr>
+          <a:lstStyle/>
+          <a:p>
+            <a:r>
+              <a:rPr lang="de-DE" sz="1000" dirty="0"/>
+              <a:t>Standardabweichung der Geschwindigkeit</a:t>
+            </a:r>
+          </a:p>
+        </p:txBody>
+      </p:sp>
+      <p:sp>
+        <p:nvSpPr>
+          <p:cNvPr id="3" name="Textfeld 2">
+            <a:extLst>
+              <a:ext uri="{FF2B5EF4-FFF2-40B4-BE49-F238E27FC236}">
+                <a16:creationId xmlns:a16="http://schemas.microsoft.com/office/drawing/2014/main" id="{351B7C03-8448-EA96-EE8D-5855BD7E753B}"/>
+              </a:ext>
+            </a:extLst>
+          </p:cNvPr>
+          <p:cNvSpPr txBox="1"/>
+          <p:nvPr/>
+        </p:nvSpPr>
+        <p:spPr>
+          <a:xfrm rot="16200000">
+            <a:off x="4595504" y="3348420"/>
+            <a:ext cx="2368081" cy="246221"/>
+          </a:xfrm>
+          <a:prstGeom prst="rect">
+            <a:avLst/>
+          </a:prstGeom>
+          <a:solidFill>
+            <a:schemeClr val="bg1"/>
+          </a:solidFill>
+        </p:spPr>
+        <p:txBody>
+          <a:bodyPr wrap="square" rtlCol="0">
+            <a:spAutoFit/>
+          </a:bodyPr>
+          <a:lstStyle/>
+          <a:p>
+            <a:r>
+              <a:rPr lang="de-DE" sz="1000" dirty="0"/>
+              <a:t>Standardabweichung der Geschwindigkeit</a:t>
+            </a:r>
           </a:p>
         </p:txBody>
       </p:sp>

--- a/Microsoft PowerPoint-Präsentation (neu).pptx
+++ b/Microsoft PowerPoint-Präsentation (neu).pptx
@@ -15,6 +15,9 @@
     <p:sldId id="262" r:id="rId9"/>
     <p:sldId id="261" r:id="rId10"/>
     <p:sldId id="265" r:id="rId11"/>
+    <p:sldId id="266" r:id="rId12"/>
+    <p:sldId id="267" r:id="rId13"/>
+    <p:sldId id="268" r:id="rId14"/>
   </p:sldIdLst>
   <p:sldSz cx="12192000" cy="6858000"/>
   <p:notesSz cx="6858000" cy="9144000"/>
@@ -268,7 +271,7 @@
           <a:p>
             <a:fld id="{AC388E9C-BE03-4D12-9C2B-9D11FB1AF24E}" type="datetimeFigureOut">
               <a:rPr lang="de-DE" smtClean="0"/>
-              <a:t>14.08.2023</a:t>
+              <a:t>16.08.2023</a:t>
             </a:fld>
             <a:endParaRPr lang="de-DE"/>
           </a:p>
@@ -466,7 +469,7 @@
           <a:p>
             <a:fld id="{AC388E9C-BE03-4D12-9C2B-9D11FB1AF24E}" type="datetimeFigureOut">
               <a:rPr lang="de-DE" smtClean="0"/>
-              <a:t>14.08.2023</a:t>
+              <a:t>16.08.2023</a:t>
             </a:fld>
             <a:endParaRPr lang="de-DE"/>
           </a:p>
@@ -674,7 +677,7 @@
           <a:p>
             <a:fld id="{AC388E9C-BE03-4D12-9C2B-9D11FB1AF24E}" type="datetimeFigureOut">
               <a:rPr lang="de-DE" smtClean="0"/>
-              <a:t>14.08.2023</a:t>
+              <a:t>16.08.2023</a:t>
             </a:fld>
             <a:endParaRPr lang="de-DE"/>
           </a:p>
@@ -872,7 +875,7 @@
           <a:p>
             <a:fld id="{AC388E9C-BE03-4D12-9C2B-9D11FB1AF24E}" type="datetimeFigureOut">
               <a:rPr lang="de-DE" smtClean="0"/>
-              <a:t>14.08.2023</a:t>
+              <a:t>16.08.2023</a:t>
             </a:fld>
             <a:endParaRPr lang="de-DE"/>
           </a:p>
@@ -1147,7 +1150,7 @@
           <a:p>
             <a:fld id="{AC388E9C-BE03-4D12-9C2B-9D11FB1AF24E}" type="datetimeFigureOut">
               <a:rPr lang="de-DE" smtClean="0"/>
-              <a:t>14.08.2023</a:t>
+              <a:t>16.08.2023</a:t>
             </a:fld>
             <a:endParaRPr lang="de-DE"/>
           </a:p>
@@ -1412,7 +1415,7 @@
           <a:p>
             <a:fld id="{AC388E9C-BE03-4D12-9C2B-9D11FB1AF24E}" type="datetimeFigureOut">
               <a:rPr lang="de-DE" smtClean="0"/>
-              <a:t>14.08.2023</a:t>
+              <a:t>16.08.2023</a:t>
             </a:fld>
             <a:endParaRPr lang="de-DE"/>
           </a:p>
@@ -1824,7 +1827,7 @@
           <a:p>
             <a:fld id="{AC388E9C-BE03-4D12-9C2B-9D11FB1AF24E}" type="datetimeFigureOut">
               <a:rPr lang="de-DE" smtClean="0"/>
-              <a:t>14.08.2023</a:t>
+              <a:t>16.08.2023</a:t>
             </a:fld>
             <a:endParaRPr lang="de-DE"/>
           </a:p>
@@ -1965,7 +1968,7 @@
           <a:p>
             <a:fld id="{AC388E9C-BE03-4D12-9C2B-9D11FB1AF24E}" type="datetimeFigureOut">
               <a:rPr lang="de-DE" smtClean="0"/>
-              <a:t>14.08.2023</a:t>
+              <a:t>16.08.2023</a:t>
             </a:fld>
             <a:endParaRPr lang="de-DE"/>
           </a:p>
@@ -2078,7 +2081,7 @@
           <a:p>
             <a:fld id="{AC388E9C-BE03-4D12-9C2B-9D11FB1AF24E}" type="datetimeFigureOut">
               <a:rPr lang="de-DE" smtClean="0"/>
-              <a:t>14.08.2023</a:t>
+              <a:t>16.08.2023</a:t>
             </a:fld>
             <a:endParaRPr lang="de-DE"/>
           </a:p>
@@ -2389,7 +2392,7 @@
           <a:p>
             <a:fld id="{AC388E9C-BE03-4D12-9C2B-9D11FB1AF24E}" type="datetimeFigureOut">
               <a:rPr lang="de-DE" smtClean="0"/>
-              <a:t>14.08.2023</a:t>
+              <a:t>16.08.2023</a:t>
             </a:fld>
             <a:endParaRPr lang="de-DE"/>
           </a:p>
@@ -2677,7 +2680,7 @@
           <a:p>
             <a:fld id="{AC388E9C-BE03-4D12-9C2B-9D11FB1AF24E}" type="datetimeFigureOut">
               <a:rPr lang="de-DE" smtClean="0"/>
-              <a:t>14.08.2023</a:t>
+              <a:t>16.08.2023</a:t>
             </a:fld>
             <a:endParaRPr lang="de-DE"/>
           </a:p>
@@ -2918,7 +2921,7 @@
           <a:p>
             <a:fld id="{AC388E9C-BE03-4D12-9C2B-9D11FB1AF24E}" type="datetimeFigureOut">
               <a:rPr lang="de-DE" smtClean="0"/>
-              <a:t>14.08.2023</a:t>
+              <a:t>16.08.2023</a:t>
             </a:fld>
             <a:endParaRPr lang="de-DE"/>
           </a:p>
@@ -4198,6 +4201,955 @@
     <p:extLst>
       <p:ext uri="{BB962C8B-B14F-4D97-AF65-F5344CB8AC3E}">
         <p14:creationId xmlns:p14="http://schemas.microsoft.com/office/powerpoint/2010/main" val="2895897022"/>
+      </p:ext>
+    </p:extLst>
+  </p:cSld>
+  <p:clrMapOvr>
+    <a:masterClrMapping/>
+  </p:clrMapOvr>
+</p:sld>
+</file>
+
+<file path=ppt/slides/slide11.xml><?xml version="1.0" encoding="utf-8"?>
+<p:sld xmlns:a="http://schemas.openxmlformats.org/drawingml/2006/main" xmlns:r="http://schemas.openxmlformats.org/officeDocument/2006/relationships" xmlns:p="http://schemas.openxmlformats.org/presentationml/2006/main">
+  <p:cSld>
+    <p:spTree>
+      <p:nvGrpSpPr>
+        <p:cNvPr id="1" name=""/>
+        <p:cNvGrpSpPr/>
+        <p:nvPr/>
+      </p:nvGrpSpPr>
+      <p:grpSpPr>
+        <a:xfrm>
+          <a:off x="0" y="0"/>
+          <a:ext cx="0" cy="0"/>
+          <a:chOff x="0" y="0"/>
+          <a:chExt cx="0" cy="0"/>
+        </a:xfrm>
+      </p:grpSpPr>
+      <p:pic>
+        <p:nvPicPr>
+          <p:cNvPr id="5" name="Grafik 4" descr="Ein Bild, das Text, Screenshot, Diagramm, Farbigkeit enthält.&#10;&#10;Automatisch generierte Beschreibung">
+            <a:extLst>
+              <a:ext uri="{FF2B5EF4-FFF2-40B4-BE49-F238E27FC236}">
+                <a16:creationId xmlns:a16="http://schemas.microsoft.com/office/drawing/2014/main" id="{B5DD01A1-25E3-0C3E-3E76-41683073B381}"/>
+              </a:ext>
+            </a:extLst>
+          </p:cNvPr>
+          <p:cNvPicPr>
+            <a:picLocks noChangeAspect="1"/>
+          </p:cNvPicPr>
+          <p:nvPr/>
+        </p:nvPicPr>
+        <p:blipFill>
+          <a:blip r:embed="rId2">
+            <a:extLst>
+              <a:ext uri="{28A0092B-C50C-407E-A947-70E740481C1C}">
+                <a14:useLocalDpi xmlns:a14="http://schemas.microsoft.com/office/drawing/2010/main" val="0"/>
+              </a:ext>
+            </a:extLst>
+          </a:blip>
+          <a:stretch>
+            <a:fillRect/>
+          </a:stretch>
+        </p:blipFill>
+        <p:spPr>
+          <a:xfrm>
+            <a:off x="315843" y="1348736"/>
+            <a:ext cx="5330963" cy="4160528"/>
+          </a:xfrm>
+          <a:prstGeom prst="rect">
+            <a:avLst/>
+          </a:prstGeom>
+        </p:spPr>
+      </p:pic>
+      <p:pic>
+        <p:nvPicPr>
+          <p:cNvPr id="7" name="Grafik 6" descr="Ein Bild, das Text, Screenshot, Farbigkeit, Diagramm enthält.&#10;&#10;Automatisch generierte Beschreibung">
+            <a:extLst>
+              <a:ext uri="{FF2B5EF4-FFF2-40B4-BE49-F238E27FC236}">
+                <a16:creationId xmlns:a16="http://schemas.microsoft.com/office/drawing/2014/main" id="{433853B9-737F-95C5-0C4B-4D3E485D7CF6}"/>
+              </a:ext>
+            </a:extLst>
+          </p:cNvPr>
+          <p:cNvPicPr>
+            <a:picLocks noChangeAspect="1"/>
+          </p:cNvPicPr>
+          <p:nvPr/>
+        </p:nvPicPr>
+        <p:blipFill rotWithShape="1">
+          <a:blip r:embed="rId3">
+            <a:extLst>
+              <a:ext uri="{28A0092B-C50C-407E-A947-70E740481C1C}">
+                <a14:useLocalDpi xmlns:a14="http://schemas.microsoft.com/office/drawing/2010/main" val="0"/>
+              </a:ext>
+            </a:extLst>
+          </a:blip>
+          <a:srcRect l="20869"/>
+          <a:stretch/>
+        </p:blipFill>
+        <p:spPr>
+          <a:xfrm>
+            <a:off x="4975653" y="1348736"/>
+            <a:ext cx="4659811" cy="4160528"/>
+          </a:xfrm>
+          <a:prstGeom prst="rect">
+            <a:avLst/>
+          </a:prstGeom>
+        </p:spPr>
+      </p:pic>
+      <p:sp>
+        <p:nvSpPr>
+          <p:cNvPr id="9" name="Rechteck 8">
+            <a:extLst>
+              <a:ext uri="{FF2B5EF4-FFF2-40B4-BE49-F238E27FC236}">
+                <a16:creationId xmlns:a16="http://schemas.microsoft.com/office/drawing/2014/main" id="{DF291297-0044-0FB7-4CB5-D490AA01DD87}"/>
+              </a:ext>
+            </a:extLst>
+          </p:cNvPr>
+          <p:cNvSpPr/>
+          <p:nvPr/>
+        </p:nvSpPr>
+        <p:spPr>
+          <a:xfrm rot="5400000">
+            <a:off x="3107723" y="3472038"/>
+            <a:ext cx="3595815" cy="140043"/>
+          </a:xfrm>
+          <a:prstGeom prst="rect">
+            <a:avLst/>
+          </a:prstGeom>
+          <a:solidFill>
+            <a:schemeClr val="bg1"/>
+          </a:solidFill>
+          <a:ln>
+            <a:solidFill>
+              <a:schemeClr val="bg1"/>
+            </a:solidFill>
+          </a:ln>
+        </p:spPr>
+        <p:style>
+          <a:lnRef idx="2">
+            <a:schemeClr val="accent1">
+              <a:shade val="15000"/>
+            </a:schemeClr>
+          </a:lnRef>
+          <a:fillRef idx="1">
+            <a:schemeClr val="accent1"/>
+          </a:fillRef>
+          <a:effectRef idx="0">
+            <a:schemeClr val="accent1"/>
+          </a:effectRef>
+          <a:fontRef idx="minor">
+            <a:schemeClr val="lt1"/>
+          </a:fontRef>
+        </p:style>
+        <p:txBody>
+          <a:bodyPr rtlCol="0" anchor="ctr"/>
+          <a:lstStyle/>
+          <a:p>
+            <a:pPr algn="ctr"/>
+            <a:endParaRPr lang="de-DE"/>
+          </a:p>
+        </p:txBody>
+      </p:sp>
+      <p:sp>
+        <p:nvSpPr>
+          <p:cNvPr id="10" name="Rechteck 9">
+            <a:extLst>
+              <a:ext uri="{FF2B5EF4-FFF2-40B4-BE49-F238E27FC236}">
+                <a16:creationId xmlns:a16="http://schemas.microsoft.com/office/drawing/2014/main" id="{3EC3DAF0-5040-8374-DCD3-065CE4B7ACAA}"/>
+              </a:ext>
+            </a:extLst>
+          </p:cNvPr>
+          <p:cNvSpPr/>
+          <p:nvPr/>
+        </p:nvSpPr>
+        <p:spPr>
+          <a:xfrm>
+            <a:off x="9817070" y="2081903"/>
+            <a:ext cx="1575485" cy="216453"/>
+          </a:xfrm>
+          <a:prstGeom prst="rect">
+            <a:avLst/>
+          </a:prstGeom>
+          <a:solidFill>
+            <a:schemeClr val="bg1"/>
+          </a:solidFill>
+          <a:ln>
+            <a:solidFill>
+              <a:schemeClr val="bg1"/>
+            </a:solidFill>
+          </a:ln>
+        </p:spPr>
+        <p:style>
+          <a:lnRef idx="2">
+            <a:schemeClr val="accent1">
+              <a:shade val="15000"/>
+            </a:schemeClr>
+          </a:lnRef>
+          <a:fillRef idx="1">
+            <a:schemeClr val="accent1"/>
+          </a:fillRef>
+          <a:effectRef idx="0">
+            <a:schemeClr val="accent1"/>
+          </a:effectRef>
+          <a:fontRef idx="minor">
+            <a:schemeClr val="lt1"/>
+          </a:fontRef>
+        </p:style>
+        <p:txBody>
+          <a:bodyPr rtlCol="0" anchor="ctr"/>
+          <a:lstStyle/>
+          <a:p>
+            <a:pPr algn="ctr"/>
+            <a:endParaRPr lang="de-DE"/>
+          </a:p>
+        </p:txBody>
+      </p:sp>
+      <p:sp>
+        <p:nvSpPr>
+          <p:cNvPr id="11" name="Rechteck 10">
+            <a:extLst>
+              <a:ext uri="{FF2B5EF4-FFF2-40B4-BE49-F238E27FC236}">
+                <a16:creationId xmlns:a16="http://schemas.microsoft.com/office/drawing/2014/main" id="{9253960F-BC6D-7F3D-7313-84D1614522BC}"/>
+              </a:ext>
+            </a:extLst>
+          </p:cNvPr>
+          <p:cNvSpPr/>
+          <p:nvPr/>
+        </p:nvSpPr>
+        <p:spPr>
+          <a:xfrm>
+            <a:off x="518984" y="1227438"/>
+            <a:ext cx="8353167" cy="395416"/>
+          </a:xfrm>
+          <a:prstGeom prst="rect">
+            <a:avLst/>
+          </a:prstGeom>
+          <a:solidFill>
+            <a:schemeClr val="bg1"/>
+          </a:solidFill>
+          <a:ln>
+            <a:solidFill>
+              <a:schemeClr val="bg1"/>
+            </a:solidFill>
+          </a:ln>
+        </p:spPr>
+        <p:style>
+          <a:lnRef idx="2">
+            <a:schemeClr val="accent1">
+              <a:shade val="15000"/>
+            </a:schemeClr>
+          </a:lnRef>
+          <a:fillRef idx="1">
+            <a:schemeClr val="accent1"/>
+          </a:fillRef>
+          <a:effectRef idx="0">
+            <a:schemeClr val="accent1"/>
+          </a:effectRef>
+          <a:fontRef idx="minor">
+            <a:schemeClr val="lt1"/>
+          </a:fontRef>
+        </p:style>
+        <p:txBody>
+          <a:bodyPr rtlCol="0" anchor="ctr"/>
+          <a:lstStyle/>
+          <a:p>
+            <a:pPr algn="ctr"/>
+            <a:endParaRPr lang="de-DE"/>
+          </a:p>
+        </p:txBody>
+      </p:sp>
+      <p:sp>
+        <p:nvSpPr>
+          <p:cNvPr id="12" name="Rechteck 11">
+            <a:extLst>
+              <a:ext uri="{FF2B5EF4-FFF2-40B4-BE49-F238E27FC236}">
+                <a16:creationId xmlns:a16="http://schemas.microsoft.com/office/drawing/2014/main" id="{1D0C0CDA-DAF3-5409-3476-32350A182081}"/>
+              </a:ext>
+            </a:extLst>
+          </p:cNvPr>
+          <p:cNvSpPr/>
+          <p:nvPr/>
+        </p:nvSpPr>
+        <p:spPr>
+          <a:xfrm>
+            <a:off x="9118913" y="1348736"/>
+            <a:ext cx="1396313" cy="395416"/>
+          </a:xfrm>
+          <a:prstGeom prst="rect">
+            <a:avLst/>
+          </a:prstGeom>
+          <a:solidFill>
+            <a:schemeClr val="bg1"/>
+          </a:solidFill>
+          <a:ln>
+            <a:solidFill>
+              <a:schemeClr val="bg1"/>
+            </a:solidFill>
+          </a:ln>
+        </p:spPr>
+        <p:style>
+          <a:lnRef idx="2">
+            <a:schemeClr val="accent1">
+              <a:shade val="15000"/>
+            </a:schemeClr>
+          </a:lnRef>
+          <a:fillRef idx="1">
+            <a:schemeClr val="accent1"/>
+          </a:fillRef>
+          <a:effectRef idx="0">
+            <a:schemeClr val="accent1"/>
+          </a:effectRef>
+          <a:fontRef idx="minor">
+            <a:schemeClr val="lt1"/>
+          </a:fontRef>
+        </p:style>
+        <p:txBody>
+          <a:bodyPr rtlCol="0" anchor="ctr"/>
+          <a:lstStyle/>
+          <a:p>
+            <a:pPr algn="ctr"/>
+            <a:endParaRPr lang="de-DE"/>
+          </a:p>
+        </p:txBody>
+      </p:sp>
+      <p:sp>
+        <p:nvSpPr>
+          <p:cNvPr id="13" name="Rechteck 12">
+            <a:extLst>
+              <a:ext uri="{FF2B5EF4-FFF2-40B4-BE49-F238E27FC236}">
+                <a16:creationId xmlns:a16="http://schemas.microsoft.com/office/drawing/2014/main" id="{5D94E94C-C6DE-EC97-1BAD-B3AA8002EFDC}"/>
+              </a:ext>
+            </a:extLst>
+          </p:cNvPr>
+          <p:cNvSpPr/>
+          <p:nvPr/>
+        </p:nvSpPr>
+        <p:spPr>
+          <a:xfrm>
+            <a:off x="8613877" y="1224000"/>
+            <a:ext cx="628978" cy="358345"/>
+          </a:xfrm>
+          <a:prstGeom prst="rect">
+            <a:avLst/>
+          </a:prstGeom>
+          <a:solidFill>
+            <a:schemeClr val="bg1"/>
+          </a:solidFill>
+          <a:ln>
+            <a:solidFill>
+              <a:schemeClr val="bg1"/>
+            </a:solidFill>
+          </a:ln>
+        </p:spPr>
+        <p:style>
+          <a:lnRef idx="2">
+            <a:schemeClr val="accent1">
+              <a:shade val="15000"/>
+            </a:schemeClr>
+          </a:lnRef>
+          <a:fillRef idx="1">
+            <a:schemeClr val="accent1"/>
+          </a:fillRef>
+          <a:effectRef idx="0">
+            <a:schemeClr val="accent1"/>
+          </a:effectRef>
+          <a:fontRef idx="minor">
+            <a:schemeClr val="lt1"/>
+          </a:fontRef>
+        </p:style>
+        <p:txBody>
+          <a:bodyPr rtlCol="0" anchor="ctr"/>
+          <a:lstStyle/>
+          <a:p>
+            <a:pPr algn="ctr"/>
+            <a:endParaRPr lang="de-DE"/>
+          </a:p>
+        </p:txBody>
+      </p:sp>
+      <p:sp>
+        <p:nvSpPr>
+          <p:cNvPr id="14" name="Textfeld 13">
+            <a:extLst>
+              <a:ext uri="{FF2B5EF4-FFF2-40B4-BE49-F238E27FC236}">
+                <a16:creationId xmlns:a16="http://schemas.microsoft.com/office/drawing/2014/main" id="{8323754F-F605-4F35-A81D-6E95EE478596}"/>
+              </a:ext>
+            </a:extLst>
+          </p:cNvPr>
+          <p:cNvSpPr txBox="1"/>
+          <p:nvPr/>
+        </p:nvSpPr>
+        <p:spPr>
+          <a:xfrm>
+            <a:off x="6058398" y="1341564"/>
+            <a:ext cx="1283108" cy="338554"/>
+          </a:xfrm>
+          <a:prstGeom prst="rect">
+            <a:avLst/>
+          </a:prstGeom>
+          <a:noFill/>
+        </p:spPr>
+        <p:txBody>
+          <a:bodyPr wrap="none" rtlCol="0">
+            <a:spAutoFit/>
+          </a:bodyPr>
+          <a:lstStyle/>
+          <a:p>
+            <a:r>
+              <a:rPr lang="de-DE" sz="1600" dirty="0" err="1"/>
+              <a:t>mapmatched</a:t>
+            </a:r>
+            <a:endParaRPr lang="de-DE" sz="1600" dirty="0"/>
+          </a:p>
+        </p:txBody>
+      </p:sp>
+      <p:sp>
+        <p:nvSpPr>
+          <p:cNvPr id="15" name="Textfeld 14">
+            <a:extLst>
+              <a:ext uri="{FF2B5EF4-FFF2-40B4-BE49-F238E27FC236}">
+                <a16:creationId xmlns:a16="http://schemas.microsoft.com/office/drawing/2014/main" id="{F141556A-FC97-D06D-EE63-63B1E002C7EB}"/>
+              </a:ext>
+            </a:extLst>
+          </p:cNvPr>
+          <p:cNvSpPr txBox="1"/>
+          <p:nvPr/>
+        </p:nvSpPr>
+        <p:spPr>
+          <a:xfrm>
+            <a:off x="2864283" y="1341564"/>
+            <a:ext cx="496418" cy="338554"/>
+          </a:xfrm>
+          <a:prstGeom prst="rect">
+            <a:avLst/>
+          </a:prstGeom>
+          <a:noFill/>
+        </p:spPr>
+        <p:txBody>
+          <a:bodyPr wrap="none" rtlCol="0">
+            <a:spAutoFit/>
+          </a:bodyPr>
+          <a:lstStyle/>
+          <a:p>
+            <a:r>
+              <a:rPr lang="de-DE" sz="1600" dirty="0" err="1"/>
+              <a:t>raw</a:t>
+            </a:r>
+            <a:endParaRPr lang="de-DE" sz="1600" dirty="0"/>
+          </a:p>
+        </p:txBody>
+      </p:sp>
+    </p:spTree>
+    <p:extLst>
+      <p:ext uri="{BB962C8B-B14F-4D97-AF65-F5344CB8AC3E}">
+        <p14:creationId xmlns:p14="http://schemas.microsoft.com/office/powerpoint/2010/main" val="3533799682"/>
+      </p:ext>
+    </p:extLst>
+  </p:cSld>
+  <p:clrMapOvr>
+    <a:masterClrMapping/>
+  </p:clrMapOvr>
+</p:sld>
+</file>
+
+<file path=ppt/slides/slide12.xml><?xml version="1.0" encoding="utf-8"?>
+<p:sld xmlns:a="http://schemas.openxmlformats.org/drawingml/2006/main" xmlns:r="http://schemas.openxmlformats.org/officeDocument/2006/relationships" xmlns:p="http://schemas.openxmlformats.org/presentationml/2006/main">
+  <p:cSld>
+    <p:spTree>
+      <p:nvGrpSpPr>
+        <p:cNvPr id="1" name=""/>
+        <p:cNvGrpSpPr/>
+        <p:nvPr/>
+      </p:nvGrpSpPr>
+      <p:grpSpPr>
+        <a:xfrm>
+          <a:off x="0" y="0"/>
+          <a:ext cx="0" cy="0"/>
+          <a:chOff x="0" y="0"/>
+          <a:chExt cx="0" cy="0"/>
+        </a:xfrm>
+      </p:grpSpPr>
+      <p:pic>
+        <p:nvPicPr>
+          <p:cNvPr id="12" name="Grafik 11" descr="Ein Bild, das Text, Screenshot, Diagramm, Farbigkeit enthält.&#10;&#10;Automatisch generierte Beschreibung">
+            <a:extLst>
+              <a:ext uri="{FF2B5EF4-FFF2-40B4-BE49-F238E27FC236}">
+                <a16:creationId xmlns:a16="http://schemas.microsoft.com/office/drawing/2014/main" id="{F9FDCD03-CF97-3DC1-34BB-29FF32150D47}"/>
+              </a:ext>
+            </a:extLst>
+          </p:cNvPr>
+          <p:cNvPicPr>
+            <a:picLocks noChangeAspect="1"/>
+          </p:cNvPicPr>
+          <p:nvPr/>
+        </p:nvPicPr>
+        <p:blipFill rotWithShape="1">
+          <a:blip r:embed="rId2">
+            <a:extLst>
+              <a:ext uri="{28A0092B-C50C-407E-A947-70E740481C1C}">
+                <a14:useLocalDpi xmlns:a14="http://schemas.microsoft.com/office/drawing/2010/main" val="0"/>
+              </a:ext>
+            </a:extLst>
+          </a:blip>
+          <a:srcRect l="21321" r="9524"/>
+          <a:stretch/>
+        </p:blipFill>
+        <p:spPr>
+          <a:xfrm>
+            <a:off x="5531833" y="1699583"/>
+            <a:ext cx="4143261" cy="4232943"/>
+          </a:xfrm>
+          <a:prstGeom prst="rect">
+            <a:avLst/>
+          </a:prstGeom>
+        </p:spPr>
+      </p:pic>
+      <p:pic>
+        <p:nvPicPr>
+          <p:cNvPr id="14" name="Grafik 13" descr="Ein Bild, das Text, Screenshot, Diagramm, Farbigkeit enthält.&#10;&#10;Automatisch generierte Beschreibung">
+            <a:extLst>
+              <a:ext uri="{FF2B5EF4-FFF2-40B4-BE49-F238E27FC236}">
+                <a16:creationId xmlns:a16="http://schemas.microsoft.com/office/drawing/2014/main" id="{EDAB397E-D3EC-D244-3286-5E572D2034BC}"/>
+              </a:ext>
+            </a:extLst>
+          </p:cNvPr>
+          <p:cNvPicPr>
+            <a:picLocks noChangeAspect="1"/>
+          </p:cNvPicPr>
+          <p:nvPr/>
+        </p:nvPicPr>
+        <p:blipFill rotWithShape="1">
+          <a:blip r:embed="rId3">
+            <a:extLst>
+              <a:ext uri="{28A0092B-C50C-407E-A947-70E740481C1C}">
+                <a14:useLocalDpi xmlns:a14="http://schemas.microsoft.com/office/drawing/2010/main" val="0"/>
+              </a:ext>
+            </a:extLst>
+          </a:blip>
+          <a:srcRect r="16261"/>
+          <a:stretch/>
+        </p:blipFill>
+        <p:spPr>
+          <a:xfrm>
+            <a:off x="833110" y="1699583"/>
+            <a:ext cx="4510657" cy="4196735"/>
+          </a:xfrm>
+          <a:prstGeom prst="rect">
+            <a:avLst/>
+          </a:prstGeom>
+        </p:spPr>
+      </p:pic>
+      <p:sp>
+        <p:nvSpPr>
+          <p:cNvPr id="6" name="Rechteck 5">
+            <a:extLst>
+              <a:ext uri="{FF2B5EF4-FFF2-40B4-BE49-F238E27FC236}">
+                <a16:creationId xmlns:a16="http://schemas.microsoft.com/office/drawing/2014/main" id="{723DD897-DE44-0C5D-005B-A3C6067DCC29}"/>
+              </a:ext>
+            </a:extLst>
+          </p:cNvPr>
+          <p:cNvSpPr/>
+          <p:nvPr/>
+        </p:nvSpPr>
+        <p:spPr>
+          <a:xfrm>
+            <a:off x="1044754" y="1599648"/>
+            <a:ext cx="8353167" cy="395416"/>
+          </a:xfrm>
+          <a:prstGeom prst="rect">
+            <a:avLst/>
+          </a:prstGeom>
+          <a:solidFill>
+            <a:schemeClr val="bg1"/>
+          </a:solidFill>
+          <a:ln>
+            <a:solidFill>
+              <a:schemeClr val="bg1"/>
+            </a:solidFill>
+          </a:ln>
+        </p:spPr>
+        <p:style>
+          <a:lnRef idx="2">
+            <a:schemeClr val="accent1">
+              <a:shade val="15000"/>
+            </a:schemeClr>
+          </a:lnRef>
+          <a:fillRef idx="1">
+            <a:schemeClr val="accent1"/>
+          </a:fillRef>
+          <a:effectRef idx="0">
+            <a:schemeClr val="accent1"/>
+          </a:effectRef>
+          <a:fontRef idx="minor">
+            <a:schemeClr val="lt1"/>
+          </a:fontRef>
+        </p:style>
+        <p:txBody>
+          <a:bodyPr rtlCol="0" anchor="ctr"/>
+          <a:lstStyle/>
+          <a:p>
+            <a:pPr algn="ctr"/>
+            <a:endParaRPr lang="de-DE"/>
+          </a:p>
+        </p:txBody>
+      </p:sp>
+      <p:sp>
+        <p:nvSpPr>
+          <p:cNvPr id="8" name="Rechteck 7">
+            <a:extLst>
+              <a:ext uri="{FF2B5EF4-FFF2-40B4-BE49-F238E27FC236}">
+                <a16:creationId xmlns:a16="http://schemas.microsoft.com/office/drawing/2014/main" id="{65376150-221E-02B3-03E0-30342C4F1081}"/>
+              </a:ext>
+            </a:extLst>
+          </p:cNvPr>
+          <p:cNvSpPr/>
+          <p:nvPr/>
+        </p:nvSpPr>
+        <p:spPr>
+          <a:xfrm>
+            <a:off x="9271498" y="1583640"/>
+            <a:ext cx="628978" cy="358345"/>
+          </a:xfrm>
+          <a:prstGeom prst="rect">
+            <a:avLst/>
+          </a:prstGeom>
+          <a:solidFill>
+            <a:schemeClr val="bg1"/>
+          </a:solidFill>
+          <a:ln>
+            <a:solidFill>
+              <a:schemeClr val="bg1"/>
+            </a:solidFill>
+          </a:ln>
+        </p:spPr>
+        <p:style>
+          <a:lnRef idx="2">
+            <a:schemeClr val="accent1">
+              <a:shade val="15000"/>
+            </a:schemeClr>
+          </a:lnRef>
+          <a:fillRef idx="1">
+            <a:schemeClr val="accent1"/>
+          </a:fillRef>
+          <a:effectRef idx="0">
+            <a:schemeClr val="accent1"/>
+          </a:effectRef>
+          <a:fontRef idx="minor">
+            <a:schemeClr val="lt1"/>
+          </a:fontRef>
+        </p:style>
+        <p:txBody>
+          <a:bodyPr rtlCol="0" anchor="ctr"/>
+          <a:lstStyle/>
+          <a:p>
+            <a:pPr algn="ctr"/>
+            <a:endParaRPr lang="de-DE"/>
+          </a:p>
+        </p:txBody>
+      </p:sp>
+      <p:sp>
+        <p:nvSpPr>
+          <p:cNvPr id="9" name="Textfeld 8">
+            <a:extLst>
+              <a:ext uri="{FF2B5EF4-FFF2-40B4-BE49-F238E27FC236}">
+                <a16:creationId xmlns:a16="http://schemas.microsoft.com/office/drawing/2014/main" id="{3A5004C9-98F0-D630-2E8F-58B937E64931}"/>
+              </a:ext>
+            </a:extLst>
+          </p:cNvPr>
+          <p:cNvSpPr txBox="1"/>
+          <p:nvPr/>
+        </p:nvSpPr>
+        <p:spPr>
+          <a:xfrm>
+            <a:off x="6647614" y="1672518"/>
+            <a:ext cx="1283108" cy="338554"/>
+          </a:xfrm>
+          <a:prstGeom prst="rect">
+            <a:avLst/>
+          </a:prstGeom>
+          <a:noFill/>
+        </p:spPr>
+        <p:txBody>
+          <a:bodyPr wrap="none" rtlCol="0">
+            <a:spAutoFit/>
+          </a:bodyPr>
+          <a:lstStyle/>
+          <a:p>
+            <a:r>
+              <a:rPr lang="de-DE" sz="1600" dirty="0" err="1"/>
+              <a:t>mapmatched</a:t>
+            </a:r>
+            <a:endParaRPr lang="de-DE" sz="1600" dirty="0"/>
+          </a:p>
+        </p:txBody>
+      </p:sp>
+      <p:sp>
+        <p:nvSpPr>
+          <p:cNvPr id="10" name="Textfeld 9">
+            <a:extLst>
+              <a:ext uri="{FF2B5EF4-FFF2-40B4-BE49-F238E27FC236}">
+                <a16:creationId xmlns:a16="http://schemas.microsoft.com/office/drawing/2014/main" id="{25985D72-BC05-AD38-417D-2AA3C82698C2}"/>
+              </a:ext>
+            </a:extLst>
+          </p:cNvPr>
+          <p:cNvSpPr txBox="1"/>
+          <p:nvPr/>
+        </p:nvSpPr>
+        <p:spPr>
+          <a:xfrm>
+            <a:off x="3420465" y="1699583"/>
+            <a:ext cx="496418" cy="338554"/>
+          </a:xfrm>
+          <a:prstGeom prst="rect">
+            <a:avLst/>
+          </a:prstGeom>
+          <a:noFill/>
+        </p:spPr>
+        <p:txBody>
+          <a:bodyPr wrap="none" rtlCol="0">
+            <a:spAutoFit/>
+          </a:bodyPr>
+          <a:lstStyle/>
+          <a:p>
+            <a:r>
+              <a:rPr lang="de-DE" sz="1600" dirty="0" err="1"/>
+              <a:t>raw</a:t>
+            </a:r>
+            <a:endParaRPr lang="de-DE" sz="1600" dirty="0"/>
+          </a:p>
+        </p:txBody>
+      </p:sp>
+    </p:spTree>
+    <p:extLst>
+      <p:ext uri="{BB962C8B-B14F-4D97-AF65-F5344CB8AC3E}">
+        <p14:creationId xmlns:p14="http://schemas.microsoft.com/office/powerpoint/2010/main" val="4104972307"/>
+      </p:ext>
+    </p:extLst>
+  </p:cSld>
+  <p:clrMapOvr>
+    <a:masterClrMapping/>
+  </p:clrMapOvr>
+</p:sld>
+</file>
+
+<file path=ppt/slides/slide13.xml><?xml version="1.0" encoding="utf-8"?>
+<p:sld xmlns:a="http://schemas.openxmlformats.org/drawingml/2006/main" xmlns:r="http://schemas.openxmlformats.org/officeDocument/2006/relationships" xmlns:p="http://schemas.openxmlformats.org/presentationml/2006/main">
+  <p:cSld>
+    <p:spTree>
+      <p:nvGrpSpPr>
+        <p:cNvPr id="1" name=""/>
+        <p:cNvGrpSpPr/>
+        <p:nvPr/>
+      </p:nvGrpSpPr>
+      <p:grpSpPr>
+        <a:xfrm>
+          <a:off x="0" y="0"/>
+          <a:ext cx="0" cy="0"/>
+          <a:chOff x="0" y="0"/>
+          <a:chExt cx="0" cy="0"/>
+        </a:xfrm>
+      </p:grpSpPr>
+      <p:pic>
+        <p:nvPicPr>
+          <p:cNvPr id="11" name="Grafik 10" descr="Ein Bild, das Text, Screenshot, Diagramm, Farbigkeit enthält.&#10;&#10;Automatisch generierte Beschreibung">
+            <a:extLst>
+              <a:ext uri="{FF2B5EF4-FFF2-40B4-BE49-F238E27FC236}">
+                <a16:creationId xmlns:a16="http://schemas.microsoft.com/office/drawing/2014/main" id="{3A790D9C-336F-5AD0-88D1-41AA118C42CB}"/>
+              </a:ext>
+            </a:extLst>
+          </p:cNvPr>
+          <p:cNvPicPr>
+            <a:picLocks noChangeAspect="1"/>
+          </p:cNvPicPr>
+          <p:nvPr/>
+        </p:nvPicPr>
+        <p:blipFill rotWithShape="1">
+          <a:blip r:embed="rId2">
+            <a:extLst>
+              <a:ext uri="{28A0092B-C50C-407E-A947-70E740481C1C}">
+                <a14:useLocalDpi xmlns:a14="http://schemas.microsoft.com/office/drawing/2010/main" val="0"/>
+              </a:ext>
+            </a:extLst>
+          </a:blip>
+          <a:srcRect l="-680" t="-229" r="16212" b="229"/>
+          <a:stretch/>
+        </p:blipFill>
+        <p:spPr>
+          <a:xfrm>
+            <a:off x="1179097" y="1736686"/>
+            <a:ext cx="4510657" cy="4160528"/>
+          </a:xfrm>
+          <a:prstGeom prst="rect">
+            <a:avLst/>
+          </a:prstGeom>
+        </p:spPr>
+      </p:pic>
+      <p:pic>
+        <p:nvPicPr>
+          <p:cNvPr id="13" name="Grafik 12" descr="Ein Bild, das Text, Screenshot, Farbigkeit, Diagramm enthält.&#10;&#10;Automatisch generierte Beschreibung">
+            <a:extLst>
+              <a:ext uri="{FF2B5EF4-FFF2-40B4-BE49-F238E27FC236}">
+                <a16:creationId xmlns:a16="http://schemas.microsoft.com/office/drawing/2014/main" id="{000C3B24-B426-BEF7-B7DB-F558B003ABB3}"/>
+              </a:ext>
+            </a:extLst>
+          </p:cNvPr>
+          <p:cNvPicPr>
+            <a:picLocks noChangeAspect="1"/>
+          </p:cNvPicPr>
+          <p:nvPr/>
+        </p:nvPicPr>
+        <p:blipFill rotWithShape="1">
+          <a:blip r:embed="rId3">
+            <a:extLst>
+              <a:ext uri="{28A0092B-C50C-407E-A947-70E740481C1C}">
+                <a14:useLocalDpi xmlns:a14="http://schemas.microsoft.com/office/drawing/2010/main" val="0"/>
+              </a:ext>
+            </a:extLst>
+          </a:blip>
+          <a:srcRect l="21189" r="9744"/>
+          <a:stretch/>
+        </p:blipFill>
+        <p:spPr>
+          <a:xfrm>
+            <a:off x="5864799" y="1736686"/>
+            <a:ext cx="4067176" cy="4160528"/>
+          </a:xfrm>
+          <a:prstGeom prst="rect">
+            <a:avLst/>
+          </a:prstGeom>
+        </p:spPr>
+      </p:pic>
+      <p:sp>
+        <p:nvSpPr>
+          <p:cNvPr id="6" name="Rechteck 5">
+            <a:extLst>
+              <a:ext uri="{FF2B5EF4-FFF2-40B4-BE49-F238E27FC236}">
+                <a16:creationId xmlns:a16="http://schemas.microsoft.com/office/drawing/2014/main" id="{03F7AA68-81E1-E6EC-FA73-A0A80BB6916D}"/>
+              </a:ext>
+            </a:extLst>
+          </p:cNvPr>
+          <p:cNvSpPr/>
+          <p:nvPr/>
+        </p:nvSpPr>
+        <p:spPr>
+          <a:xfrm>
+            <a:off x="1410687" y="1575186"/>
+            <a:ext cx="8610395" cy="425064"/>
+          </a:xfrm>
+          <a:prstGeom prst="rect">
+            <a:avLst/>
+          </a:prstGeom>
+          <a:solidFill>
+            <a:schemeClr val="bg1"/>
+          </a:solidFill>
+          <a:ln>
+            <a:solidFill>
+              <a:schemeClr val="bg1"/>
+            </a:solidFill>
+          </a:ln>
+        </p:spPr>
+        <p:style>
+          <a:lnRef idx="2">
+            <a:schemeClr val="accent1">
+              <a:shade val="15000"/>
+            </a:schemeClr>
+          </a:lnRef>
+          <a:fillRef idx="1">
+            <a:schemeClr val="accent1"/>
+          </a:fillRef>
+          <a:effectRef idx="0">
+            <a:schemeClr val="accent1"/>
+          </a:effectRef>
+          <a:fontRef idx="minor">
+            <a:schemeClr val="lt1"/>
+          </a:fontRef>
+        </p:style>
+        <p:txBody>
+          <a:bodyPr rtlCol="0" anchor="ctr"/>
+          <a:lstStyle/>
+          <a:p>
+            <a:pPr algn="ctr"/>
+            <a:endParaRPr lang="de-DE"/>
+          </a:p>
+        </p:txBody>
+      </p:sp>
+      <p:sp>
+        <p:nvSpPr>
+          <p:cNvPr id="9" name="Textfeld 8">
+            <a:extLst>
+              <a:ext uri="{FF2B5EF4-FFF2-40B4-BE49-F238E27FC236}">
+                <a16:creationId xmlns:a16="http://schemas.microsoft.com/office/drawing/2014/main" id="{15417FBF-FF19-75F8-E41B-9E5F2B01437C}"/>
+              </a:ext>
+            </a:extLst>
+          </p:cNvPr>
+          <p:cNvSpPr txBox="1"/>
+          <p:nvPr/>
+        </p:nvSpPr>
+        <p:spPr>
+          <a:xfrm>
+            <a:off x="3795028" y="1727156"/>
+            <a:ext cx="496418" cy="338554"/>
+          </a:xfrm>
+          <a:prstGeom prst="rect">
+            <a:avLst/>
+          </a:prstGeom>
+          <a:noFill/>
+        </p:spPr>
+        <p:txBody>
+          <a:bodyPr wrap="none" rtlCol="0">
+            <a:spAutoFit/>
+          </a:bodyPr>
+          <a:lstStyle/>
+          <a:p>
+            <a:r>
+              <a:rPr lang="de-DE" sz="1600" dirty="0" err="1"/>
+              <a:t>raw</a:t>
+            </a:r>
+            <a:endParaRPr lang="de-DE" sz="1600" dirty="0"/>
+          </a:p>
+        </p:txBody>
+      </p:sp>
+      <p:sp>
+        <p:nvSpPr>
+          <p:cNvPr id="8" name="Textfeld 7">
+            <a:extLst>
+              <a:ext uri="{FF2B5EF4-FFF2-40B4-BE49-F238E27FC236}">
+                <a16:creationId xmlns:a16="http://schemas.microsoft.com/office/drawing/2014/main" id="{92ABAFCA-1CA4-811E-01A4-21EE043B94CD}"/>
+              </a:ext>
+            </a:extLst>
+          </p:cNvPr>
+          <p:cNvSpPr txBox="1"/>
+          <p:nvPr/>
+        </p:nvSpPr>
+        <p:spPr>
+          <a:xfrm>
+            <a:off x="7022577" y="1727156"/>
+            <a:ext cx="1283108" cy="338554"/>
+          </a:xfrm>
+          <a:prstGeom prst="rect">
+            <a:avLst/>
+          </a:prstGeom>
+          <a:noFill/>
+        </p:spPr>
+        <p:txBody>
+          <a:bodyPr wrap="none" rtlCol="0">
+            <a:spAutoFit/>
+          </a:bodyPr>
+          <a:lstStyle/>
+          <a:p>
+            <a:r>
+              <a:rPr lang="de-DE" sz="1600" dirty="0" err="1"/>
+              <a:t>mapmatched</a:t>
+            </a:r>
+            <a:endParaRPr lang="de-DE" sz="1600" dirty="0"/>
+          </a:p>
+        </p:txBody>
+      </p:sp>
+    </p:spTree>
+    <p:extLst>
+      <p:ext uri="{BB962C8B-B14F-4D97-AF65-F5344CB8AC3E}">
+        <p14:creationId xmlns:p14="http://schemas.microsoft.com/office/powerpoint/2010/main" val="3766364798"/>
       </p:ext>
     </p:extLst>
   </p:cSld>

--- a/Microsoft PowerPoint-Präsentation (neu).pptx
+++ b/Microsoft PowerPoint-Präsentation (neu).pptx
@@ -271,7 +271,7 @@
           <a:p>
             <a:fld id="{AC388E9C-BE03-4D12-9C2B-9D11FB1AF24E}" type="datetimeFigureOut">
               <a:rPr lang="de-DE" smtClean="0"/>
-              <a:t>16.08.2023</a:t>
+              <a:t>25.08.2023</a:t>
             </a:fld>
             <a:endParaRPr lang="de-DE"/>
           </a:p>
@@ -469,7 +469,7 @@
           <a:p>
             <a:fld id="{AC388E9C-BE03-4D12-9C2B-9D11FB1AF24E}" type="datetimeFigureOut">
               <a:rPr lang="de-DE" smtClean="0"/>
-              <a:t>16.08.2023</a:t>
+              <a:t>25.08.2023</a:t>
             </a:fld>
             <a:endParaRPr lang="de-DE"/>
           </a:p>
@@ -677,7 +677,7 @@
           <a:p>
             <a:fld id="{AC388E9C-BE03-4D12-9C2B-9D11FB1AF24E}" type="datetimeFigureOut">
               <a:rPr lang="de-DE" smtClean="0"/>
-              <a:t>16.08.2023</a:t>
+              <a:t>25.08.2023</a:t>
             </a:fld>
             <a:endParaRPr lang="de-DE"/>
           </a:p>
@@ -875,7 +875,7 @@
           <a:p>
             <a:fld id="{AC388E9C-BE03-4D12-9C2B-9D11FB1AF24E}" type="datetimeFigureOut">
               <a:rPr lang="de-DE" smtClean="0"/>
-              <a:t>16.08.2023</a:t>
+              <a:t>25.08.2023</a:t>
             </a:fld>
             <a:endParaRPr lang="de-DE"/>
           </a:p>
@@ -1150,7 +1150,7 @@
           <a:p>
             <a:fld id="{AC388E9C-BE03-4D12-9C2B-9D11FB1AF24E}" type="datetimeFigureOut">
               <a:rPr lang="de-DE" smtClean="0"/>
-              <a:t>16.08.2023</a:t>
+              <a:t>25.08.2023</a:t>
             </a:fld>
             <a:endParaRPr lang="de-DE"/>
           </a:p>
@@ -1415,7 +1415,7 @@
           <a:p>
             <a:fld id="{AC388E9C-BE03-4D12-9C2B-9D11FB1AF24E}" type="datetimeFigureOut">
               <a:rPr lang="de-DE" smtClean="0"/>
-              <a:t>16.08.2023</a:t>
+              <a:t>25.08.2023</a:t>
             </a:fld>
             <a:endParaRPr lang="de-DE"/>
           </a:p>
@@ -1827,7 +1827,7 @@
           <a:p>
             <a:fld id="{AC388E9C-BE03-4D12-9C2B-9D11FB1AF24E}" type="datetimeFigureOut">
               <a:rPr lang="de-DE" smtClean="0"/>
-              <a:t>16.08.2023</a:t>
+              <a:t>25.08.2023</a:t>
             </a:fld>
             <a:endParaRPr lang="de-DE"/>
           </a:p>
@@ -1968,7 +1968,7 @@
           <a:p>
             <a:fld id="{AC388E9C-BE03-4D12-9C2B-9D11FB1AF24E}" type="datetimeFigureOut">
               <a:rPr lang="de-DE" smtClean="0"/>
-              <a:t>16.08.2023</a:t>
+              <a:t>25.08.2023</a:t>
             </a:fld>
             <a:endParaRPr lang="de-DE"/>
           </a:p>
@@ -2081,7 +2081,7 @@
           <a:p>
             <a:fld id="{AC388E9C-BE03-4D12-9C2B-9D11FB1AF24E}" type="datetimeFigureOut">
               <a:rPr lang="de-DE" smtClean="0"/>
-              <a:t>16.08.2023</a:t>
+              <a:t>25.08.2023</a:t>
             </a:fld>
             <a:endParaRPr lang="de-DE"/>
           </a:p>
@@ -2392,7 +2392,7 @@
           <a:p>
             <a:fld id="{AC388E9C-BE03-4D12-9C2B-9D11FB1AF24E}" type="datetimeFigureOut">
               <a:rPr lang="de-DE" smtClean="0"/>
-              <a:t>16.08.2023</a:t>
+              <a:t>25.08.2023</a:t>
             </a:fld>
             <a:endParaRPr lang="de-DE"/>
           </a:p>
@@ -2680,7 +2680,7 @@
           <a:p>
             <a:fld id="{AC388E9C-BE03-4D12-9C2B-9D11FB1AF24E}" type="datetimeFigureOut">
               <a:rPr lang="de-DE" smtClean="0"/>
-              <a:t>16.08.2023</a:t>
+              <a:t>25.08.2023</a:t>
             </a:fld>
             <a:endParaRPr lang="de-DE"/>
           </a:p>
@@ -2921,7 +2921,7 @@
           <a:p>
             <a:fld id="{AC388E9C-BE03-4D12-9C2B-9D11FB1AF24E}" type="datetimeFigureOut">
               <a:rPr lang="de-DE" smtClean="0"/>
-              <a:t>16.08.2023</a:t>
+              <a:t>25.08.2023</a:t>
             </a:fld>
             <a:endParaRPr lang="de-DE"/>
           </a:p>
@@ -13352,8 +13352,8 @@
           </p:sp>
         </mc:Fallback>
       </mc:AlternateContent>
-      <mc:AlternateContent xmlns:mc="http://schemas.openxmlformats.org/markup-compatibility/2006" xmlns:a14="http://schemas.microsoft.com/office/drawing/2010/main">
-        <mc:Choice Requires="a14">
+      <mc:AlternateContent xmlns:mc="http://schemas.openxmlformats.org/markup-compatibility/2006">
+        <mc:Choice xmlns:a14="http://schemas.microsoft.com/office/drawing/2010/main" Requires="a14">
           <p:sp>
             <p:nvSpPr>
               <p:cNvPr id="11" name="Textfeld 10">
@@ -13368,8 +13368,8 @@
             </p:nvSpPr>
             <p:spPr>
               <a:xfrm>
-                <a:off x="6009515" y="3121222"/>
-                <a:ext cx="427681" cy="615553"/>
+                <a:off x="5985818" y="3067362"/>
+                <a:ext cx="426720" cy="553998"/>
               </a:xfrm>
               <a:prstGeom prst="rect">
                 <a:avLst/>
@@ -13390,21 +13390,21 @@
                     </m:oMathParaPr>
                     <m:oMath xmlns:m="http://schemas.openxmlformats.org/officeDocument/2006/math">
                       <m:r>
-                        <a:rPr lang="de-DE" sz="4000" i="1" smtClean="0">
+                        <a:rPr lang="de-DE" sz="3600" i="1" smtClean="0">
                           <a:latin typeface="Cambria Math" panose="02040503050406030204" pitchFamily="18" charset="0"/>
                           <a:ea typeface="Cambria Math" panose="02040503050406030204" pitchFamily="18" charset="0"/>
                         </a:rPr>
-                        <m:t>𝜎</m:t>
+                        <m:t>𝜑</m:t>
                       </m:r>
                     </m:oMath>
                   </m:oMathPara>
                 </a14:m>
-                <a:endParaRPr lang="de-DE" sz="4000" dirty="0"/>
+                <a:endParaRPr lang="de-DE" sz="3600" dirty="0"/>
               </a:p>
             </p:txBody>
           </p:sp>
         </mc:Choice>
-        <mc:Fallback xmlns="">
+        <mc:Fallback>
           <p:sp>
             <p:nvSpPr>
               <p:cNvPr id="11" name="Textfeld 10">
@@ -13421,8 +13421,8 @@
             </p:nvSpPr>
             <p:spPr>
               <a:xfrm>
-                <a:off x="6009515" y="3121222"/>
-                <a:ext cx="427681" cy="615553"/>
+                <a:off x="5985818" y="3067362"/>
+                <a:ext cx="426720" cy="553998"/>
               </a:xfrm>
               <a:prstGeom prst="rect">
                 <a:avLst/>
@@ -14630,10 +14630,10 @@
       </mc:AlternateContent>
       <p:pic>
         <p:nvPicPr>
-          <p:cNvPr id="92" name="Grafik 91">
-            <a:extLst>
-              <a:ext uri="{FF2B5EF4-FFF2-40B4-BE49-F238E27FC236}">
-                <a16:creationId xmlns:a16="http://schemas.microsoft.com/office/drawing/2014/main" id="{40ED45EE-1F39-60DF-42DA-56883D99D934}"/>
+          <p:cNvPr id="99" name="Grafik 98">
+            <a:extLst>
+              <a:ext uri="{FF2B5EF4-FFF2-40B4-BE49-F238E27FC236}">
+                <a16:creationId xmlns:a16="http://schemas.microsoft.com/office/drawing/2014/main" id="{489B33A2-D5A1-17EB-4C03-A5E19E75417D}"/>
               </a:ext>
             </a:extLst>
           </p:cNvPr>
@@ -14650,8 +14650,8 @@
         </p:blipFill>
         <p:spPr>
           <a:xfrm>
-            <a:off x="2521838" y="1952715"/>
-            <a:ext cx="1441837" cy="631065"/>
+            <a:off x="1217445" y="4279847"/>
+            <a:ext cx="1365851" cy="375838"/>
           </a:xfrm>
           <a:prstGeom prst="rect">
             <a:avLst/>
@@ -14660,10 +14660,40 @@
       </p:pic>
       <p:pic>
         <p:nvPicPr>
-          <p:cNvPr id="99" name="Grafik 98">
-            <a:extLst>
-              <a:ext uri="{FF2B5EF4-FFF2-40B4-BE49-F238E27FC236}">
-                <a16:creationId xmlns:a16="http://schemas.microsoft.com/office/drawing/2014/main" id="{489B33A2-D5A1-17EB-4C03-A5E19E75417D}"/>
+          <p:cNvPr id="101" name="Grafik 100">
+            <a:extLst>
+              <a:ext uri="{FF2B5EF4-FFF2-40B4-BE49-F238E27FC236}">
+                <a16:creationId xmlns:a16="http://schemas.microsoft.com/office/drawing/2014/main" id="{9303A65A-75E5-3DE3-A6F4-59101E3B5F81}"/>
+              </a:ext>
+            </a:extLst>
+          </p:cNvPr>
+          <p:cNvPicPr>
+            <a:picLocks noChangeAspect="1"/>
+          </p:cNvPicPr>
+          <p:nvPr/>
+        </p:nvPicPr>
+        <p:blipFill>
+          <a:blip r:embed="rId10"/>
+          <a:stretch>
+            <a:fillRect/>
+          </a:stretch>
+        </p:blipFill>
+        <p:spPr>
+          <a:xfrm>
+            <a:off x="1218832" y="2067779"/>
+            <a:ext cx="1365851" cy="375838"/>
+          </a:xfrm>
+          <a:prstGeom prst="rect">
+            <a:avLst/>
+          </a:prstGeom>
+        </p:spPr>
+      </p:pic>
+      <p:pic>
+        <p:nvPicPr>
+          <p:cNvPr id="10" name="Grafik 9">
+            <a:extLst>
+              <a:ext uri="{FF2B5EF4-FFF2-40B4-BE49-F238E27FC236}">
+                <a16:creationId xmlns:a16="http://schemas.microsoft.com/office/drawing/2014/main" id="{B42C643F-5681-5254-7C4B-43FEDED66AAE}"/>
               </a:ext>
             </a:extLst>
           </p:cNvPr>
@@ -14680,8 +14710,8 @@
         </p:blipFill>
         <p:spPr>
           <a:xfrm>
-            <a:off x="1217445" y="4279847"/>
-            <a:ext cx="1365851" cy="375838"/>
+            <a:off x="2521838" y="4166498"/>
+            <a:ext cx="1456949" cy="637680"/>
           </a:xfrm>
           <a:prstGeom prst="rect">
             <a:avLst/>
@@ -14690,40 +14720,10 @@
       </p:pic>
       <p:pic>
         <p:nvPicPr>
-          <p:cNvPr id="100" name="Grafik 99">
-            <a:extLst>
-              <a:ext uri="{FF2B5EF4-FFF2-40B4-BE49-F238E27FC236}">
-                <a16:creationId xmlns:a16="http://schemas.microsoft.com/office/drawing/2014/main" id="{68C69A33-37D0-8833-4E35-760774DC2821}"/>
-              </a:ext>
-            </a:extLst>
-          </p:cNvPr>
-          <p:cNvPicPr>
-            <a:picLocks noChangeAspect="1"/>
-          </p:cNvPicPr>
-          <p:nvPr/>
-        </p:nvPicPr>
-        <p:blipFill>
-          <a:blip r:embed="rId10"/>
-          <a:stretch>
-            <a:fillRect/>
-          </a:stretch>
-        </p:blipFill>
-        <p:spPr>
-          <a:xfrm>
-            <a:off x="2521838" y="4166498"/>
-            <a:ext cx="1441837" cy="631065"/>
-          </a:xfrm>
-          <a:prstGeom prst="rect">
-            <a:avLst/>
-          </a:prstGeom>
-        </p:spPr>
-      </p:pic>
-      <p:pic>
-        <p:nvPicPr>
-          <p:cNvPr id="101" name="Grafik 100">
-            <a:extLst>
-              <a:ext uri="{FF2B5EF4-FFF2-40B4-BE49-F238E27FC236}">
-                <a16:creationId xmlns:a16="http://schemas.microsoft.com/office/drawing/2014/main" id="{9303A65A-75E5-3DE3-A6F4-59101E3B5F81}"/>
+          <p:cNvPr id="12" name="Grafik 11">
+            <a:extLst>
+              <a:ext uri="{FF2B5EF4-FFF2-40B4-BE49-F238E27FC236}">
+                <a16:creationId xmlns:a16="http://schemas.microsoft.com/office/drawing/2014/main" id="{3077ACBE-B60C-F2D0-8610-5429B4AA4833}"/>
               </a:ext>
             </a:extLst>
           </p:cNvPr>
@@ -14740,8 +14740,8 @@
         </p:blipFill>
         <p:spPr>
           <a:xfrm>
-            <a:off x="1218832" y="2067779"/>
-            <a:ext cx="1365851" cy="375838"/>
+            <a:off x="2515904" y="1964383"/>
+            <a:ext cx="1456949" cy="637680"/>
           </a:xfrm>
           <a:prstGeom prst="rect">
             <a:avLst/>
@@ -14980,8 +14980,8 @@
           </p:sp>
         </mc:Fallback>
       </mc:AlternateContent>
-      <mc:AlternateContent xmlns:mc="http://schemas.openxmlformats.org/markup-compatibility/2006" xmlns:a14="http://schemas.microsoft.com/office/drawing/2010/main">
-        <mc:Choice Requires="a14">
+      <mc:AlternateContent xmlns:mc="http://schemas.openxmlformats.org/markup-compatibility/2006">
+        <mc:Choice xmlns:a14="http://schemas.microsoft.com/office/drawing/2010/main" Requires="a14">
           <p:sp>
             <p:nvSpPr>
               <p:cNvPr id="8" name="Textfeld 7">
@@ -14996,8 +14996,8 @@
             </p:nvSpPr>
             <p:spPr>
               <a:xfrm>
-                <a:off x="2796217" y="2642278"/>
-                <a:ext cx="427681" cy="615553"/>
+                <a:off x="2814663" y="2641861"/>
+                <a:ext cx="426720" cy="553998"/>
               </a:xfrm>
               <a:prstGeom prst="rect">
                 <a:avLst/>
@@ -15018,24 +15018,28 @@
                     </m:oMathParaPr>
                     <m:oMath xmlns:m="http://schemas.openxmlformats.org/officeDocument/2006/math">
                       <m:r>
-                        <a:rPr lang="de-DE" sz="4000" i="1" smtClean="0">
+                        <a:rPr lang="de-DE" sz="3600" i="1" smtClean="0">
                           <a:solidFill>
                             <a:schemeClr val="bg1"/>
                           </a:solidFill>
                           <a:latin typeface="Cambria Math" panose="02040503050406030204" pitchFamily="18" charset="0"/>
                           <a:ea typeface="Cambria Math" panose="02040503050406030204" pitchFamily="18" charset="0"/>
                         </a:rPr>
-                        <m:t>𝜎</m:t>
+                        <m:t>𝜑</m:t>
                       </m:r>
                     </m:oMath>
                   </m:oMathPara>
                 </a14:m>
-                <a:endParaRPr lang="de-DE" sz="4000" dirty="0"/>
+                <a:endParaRPr lang="de-DE" sz="3600" dirty="0">
+                  <a:solidFill>
+                    <a:schemeClr val="bg1"/>
+                  </a:solidFill>
+                </a:endParaRPr>
               </a:p>
             </p:txBody>
           </p:sp>
         </mc:Choice>
-        <mc:Fallback xmlns="">
+        <mc:Fallback>
           <p:sp>
             <p:nvSpPr>
               <p:cNvPr id="8" name="Textfeld 7">
@@ -15052,8 +15056,8 @@
             </p:nvSpPr>
             <p:spPr>
               <a:xfrm>
-                <a:off x="2796217" y="2642278"/>
-                <a:ext cx="427681" cy="615553"/>
+                <a:off x="2814663" y="2641861"/>
+                <a:ext cx="426720" cy="553998"/>
               </a:xfrm>
               <a:prstGeom prst="rect">
                 <a:avLst/>
@@ -15482,106 +15486,6 @@
           </p:sp>
         </mc:Fallback>
       </mc:AlternateContent>
-      <mc:AlternateContent xmlns:mc="http://schemas.openxmlformats.org/markup-compatibility/2006" xmlns:a14="http://schemas.microsoft.com/office/drawing/2010/main">
-        <mc:Choice Requires="a14">
-          <p:sp>
-            <p:nvSpPr>
-              <p:cNvPr id="18" name="Textfeld 17">
-                <a:extLst>
-                  <a:ext uri="{FF2B5EF4-FFF2-40B4-BE49-F238E27FC236}">
-                    <a16:creationId xmlns:a16="http://schemas.microsoft.com/office/drawing/2014/main" id="{59CED23D-B7FD-BCCC-8A6A-081740192511}"/>
-                  </a:ext>
-                </a:extLst>
-              </p:cNvPr>
-              <p:cNvSpPr txBox="1"/>
-              <p:nvPr/>
-            </p:nvSpPr>
-            <p:spPr>
-              <a:xfrm>
-                <a:off x="5588122" y="2636306"/>
-                <a:ext cx="427681" cy="615553"/>
-              </a:xfrm>
-              <a:prstGeom prst="rect">
-                <a:avLst/>
-              </a:prstGeom>
-              <a:noFill/>
-            </p:spPr>
-            <p:txBody>
-              <a:bodyPr wrap="none" lIns="0" tIns="0" rIns="0" bIns="0" rtlCol="0">
-                <a:spAutoFit/>
-              </a:bodyPr>
-              <a:lstStyle/>
-              <a:p>
-                <a:pPr/>
-                <a14:m>
-                  <m:oMathPara xmlns:m="http://schemas.openxmlformats.org/officeDocument/2006/math">
-                    <m:oMathParaPr>
-                      <m:jc m:val="centerGroup"/>
-                    </m:oMathParaPr>
-                    <m:oMath xmlns:m="http://schemas.openxmlformats.org/officeDocument/2006/math">
-                      <m:r>
-                        <a:rPr lang="de-DE" sz="4000" i="1" smtClean="0">
-                          <a:solidFill>
-                            <a:schemeClr val="bg1"/>
-                          </a:solidFill>
-                          <a:latin typeface="Cambria Math" panose="02040503050406030204" pitchFamily="18" charset="0"/>
-                          <a:ea typeface="Cambria Math" panose="02040503050406030204" pitchFamily="18" charset="0"/>
-                        </a:rPr>
-                        <m:t>𝜎</m:t>
-                      </m:r>
-                    </m:oMath>
-                  </m:oMathPara>
-                </a14:m>
-                <a:endParaRPr lang="de-DE" sz="4000" dirty="0"/>
-              </a:p>
-            </p:txBody>
-          </p:sp>
-        </mc:Choice>
-        <mc:Fallback xmlns="">
-          <p:sp>
-            <p:nvSpPr>
-              <p:cNvPr id="18" name="Textfeld 17">
-                <a:extLst>
-                  <a:ext uri="{FF2B5EF4-FFF2-40B4-BE49-F238E27FC236}">
-                    <a16:creationId xmlns:a16="http://schemas.microsoft.com/office/drawing/2014/main" id="{59CED23D-B7FD-BCCC-8A6A-081740192511}"/>
-                  </a:ext>
-                </a:extLst>
-              </p:cNvPr>
-              <p:cNvSpPr txBox="1">
-                <a:spLocks noRot="1" noChangeAspect="1" noMove="1" noResize="1" noEditPoints="1" noAdjustHandles="1" noChangeArrowheads="1" noChangeShapeType="1" noTextEdit="1"/>
-              </p:cNvSpPr>
-              <p:nvPr/>
-            </p:nvSpPr>
-            <p:spPr>
-              <a:xfrm>
-                <a:off x="5588122" y="2636306"/>
-                <a:ext cx="427681" cy="615553"/>
-              </a:xfrm>
-              <a:prstGeom prst="rect">
-                <a:avLst/>
-              </a:prstGeom>
-              <a:blipFill>
-                <a:blip r:embed="rId5"/>
-                <a:stretch>
-                  <a:fillRect/>
-                </a:stretch>
-              </a:blipFill>
-            </p:spPr>
-            <p:txBody>
-              <a:bodyPr/>
-              <a:lstStyle/>
-              <a:p>
-                <a:r>
-                  <a:rPr lang="de-DE">
-                    <a:noFill/>
-                  </a:rPr>
-                  <a:t> </a:t>
-                </a:r>
-              </a:p>
-            </p:txBody>
-          </p:sp>
-        </mc:Fallback>
-      </mc:AlternateContent>
       <p:cxnSp>
         <p:nvCxnSpPr>
           <p:cNvPr id="19" name="Gerade Verbindung mit Pfeil 18">
@@ -15872,106 +15776,6 @@
           </p:sp>
         </mc:Fallback>
       </mc:AlternateContent>
-      <mc:AlternateContent xmlns:mc="http://schemas.openxmlformats.org/markup-compatibility/2006" xmlns:a14="http://schemas.microsoft.com/office/drawing/2010/main">
-        <mc:Choice Requires="a14">
-          <p:sp>
-            <p:nvSpPr>
-              <p:cNvPr id="24" name="Textfeld 23">
-                <a:extLst>
-                  <a:ext uri="{FF2B5EF4-FFF2-40B4-BE49-F238E27FC236}">
-                    <a16:creationId xmlns:a16="http://schemas.microsoft.com/office/drawing/2014/main" id="{5C6E33E0-3CF4-1516-6530-614567D537F7}"/>
-                  </a:ext>
-                </a:extLst>
-              </p:cNvPr>
-              <p:cNvSpPr txBox="1"/>
-              <p:nvPr/>
-            </p:nvSpPr>
-            <p:spPr>
-              <a:xfrm>
-                <a:off x="7097982" y="2648250"/>
-                <a:ext cx="427681" cy="615553"/>
-              </a:xfrm>
-              <a:prstGeom prst="rect">
-                <a:avLst/>
-              </a:prstGeom>
-              <a:noFill/>
-            </p:spPr>
-            <p:txBody>
-              <a:bodyPr wrap="none" lIns="0" tIns="0" rIns="0" bIns="0" rtlCol="0">
-                <a:spAutoFit/>
-              </a:bodyPr>
-              <a:lstStyle/>
-              <a:p>
-                <a:pPr/>
-                <a14:m>
-                  <m:oMathPara xmlns:m="http://schemas.openxmlformats.org/officeDocument/2006/math">
-                    <m:oMathParaPr>
-                      <m:jc m:val="centerGroup"/>
-                    </m:oMathParaPr>
-                    <m:oMath xmlns:m="http://schemas.openxmlformats.org/officeDocument/2006/math">
-                      <m:r>
-                        <a:rPr lang="de-DE" sz="4000" i="1" smtClean="0">
-                          <a:solidFill>
-                            <a:schemeClr val="bg1"/>
-                          </a:solidFill>
-                          <a:latin typeface="Cambria Math" panose="02040503050406030204" pitchFamily="18" charset="0"/>
-                          <a:ea typeface="Cambria Math" panose="02040503050406030204" pitchFamily="18" charset="0"/>
-                        </a:rPr>
-                        <m:t>𝜎</m:t>
-                      </m:r>
-                    </m:oMath>
-                  </m:oMathPara>
-                </a14:m>
-                <a:endParaRPr lang="de-DE" sz="4000" dirty="0"/>
-              </a:p>
-            </p:txBody>
-          </p:sp>
-        </mc:Choice>
-        <mc:Fallback xmlns="">
-          <p:sp>
-            <p:nvSpPr>
-              <p:cNvPr id="24" name="Textfeld 23">
-                <a:extLst>
-                  <a:ext uri="{FF2B5EF4-FFF2-40B4-BE49-F238E27FC236}">
-                    <a16:creationId xmlns:a16="http://schemas.microsoft.com/office/drawing/2014/main" id="{5C6E33E0-3CF4-1516-6530-614567D537F7}"/>
-                  </a:ext>
-                </a:extLst>
-              </p:cNvPr>
-              <p:cNvSpPr txBox="1">
-                <a:spLocks noRot="1" noChangeAspect="1" noMove="1" noResize="1" noEditPoints="1" noAdjustHandles="1" noChangeArrowheads="1" noChangeShapeType="1" noTextEdit="1"/>
-              </p:cNvSpPr>
-              <p:nvPr/>
-            </p:nvSpPr>
-            <p:spPr>
-              <a:xfrm>
-                <a:off x="7097982" y="2648250"/>
-                <a:ext cx="427681" cy="615553"/>
-              </a:xfrm>
-              <a:prstGeom prst="rect">
-                <a:avLst/>
-              </a:prstGeom>
-              <a:blipFill>
-                <a:blip r:embed="rId7"/>
-                <a:stretch>
-                  <a:fillRect/>
-                </a:stretch>
-              </a:blipFill>
-            </p:spPr>
-            <p:txBody>
-              <a:bodyPr/>
-              <a:lstStyle/>
-              <a:p>
-                <a:r>
-                  <a:rPr lang="de-DE">
-                    <a:noFill/>
-                  </a:rPr>
-                  <a:t> </a:t>
-                </a:r>
-              </a:p>
-            </p:txBody>
-          </p:sp>
-        </mc:Fallback>
-      </mc:AlternateContent>
       <p:cxnSp>
         <p:nvCxnSpPr>
           <p:cNvPr id="25" name="Gerade Verbindung mit Pfeil 24">
@@ -16242,106 +16046,6 @@
               </a:prstGeom>
               <a:blipFill>
                 <a:blip r:embed="rId8"/>
-                <a:stretch>
-                  <a:fillRect/>
-                </a:stretch>
-              </a:blipFill>
-            </p:spPr>
-            <p:txBody>
-              <a:bodyPr/>
-              <a:lstStyle/>
-              <a:p>
-                <a:r>
-                  <a:rPr lang="de-DE">
-                    <a:noFill/>
-                  </a:rPr>
-                  <a:t> </a:t>
-                </a:r>
-              </a:p>
-            </p:txBody>
-          </p:sp>
-        </mc:Fallback>
-      </mc:AlternateContent>
-      <mc:AlternateContent xmlns:mc="http://schemas.openxmlformats.org/markup-compatibility/2006" xmlns:a14="http://schemas.microsoft.com/office/drawing/2010/main">
-        <mc:Choice Requires="a14">
-          <p:sp>
-            <p:nvSpPr>
-              <p:cNvPr id="30" name="Textfeld 29">
-                <a:extLst>
-                  <a:ext uri="{FF2B5EF4-FFF2-40B4-BE49-F238E27FC236}">
-                    <a16:creationId xmlns:a16="http://schemas.microsoft.com/office/drawing/2014/main" id="{46E345C4-43E8-DF2E-5BBB-B6DA2D7D2775}"/>
-                  </a:ext>
-                </a:extLst>
-              </p:cNvPr>
-              <p:cNvSpPr txBox="1"/>
-              <p:nvPr/>
-            </p:nvSpPr>
-            <p:spPr>
-              <a:xfrm>
-                <a:off x="8607839" y="2653929"/>
-                <a:ext cx="427681" cy="615553"/>
-              </a:xfrm>
-              <a:prstGeom prst="rect">
-                <a:avLst/>
-              </a:prstGeom>
-              <a:noFill/>
-            </p:spPr>
-            <p:txBody>
-              <a:bodyPr wrap="none" lIns="0" tIns="0" rIns="0" bIns="0" rtlCol="0">
-                <a:spAutoFit/>
-              </a:bodyPr>
-              <a:lstStyle/>
-              <a:p>
-                <a:pPr/>
-                <a14:m>
-                  <m:oMathPara xmlns:m="http://schemas.openxmlformats.org/officeDocument/2006/math">
-                    <m:oMathParaPr>
-                      <m:jc m:val="centerGroup"/>
-                    </m:oMathParaPr>
-                    <m:oMath xmlns:m="http://schemas.openxmlformats.org/officeDocument/2006/math">
-                      <m:r>
-                        <a:rPr lang="de-DE" sz="4000" i="1" smtClean="0">
-                          <a:solidFill>
-                            <a:schemeClr val="bg1"/>
-                          </a:solidFill>
-                          <a:latin typeface="Cambria Math" panose="02040503050406030204" pitchFamily="18" charset="0"/>
-                          <a:ea typeface="Cambria Math" panose="02040503050406030204" pitchFamily="18" charset="0"/>
-                        </a:rPr>
-                        <m:t>𝜎</m:t>
-                      </m:r>
-                    </m:oMath>
-                  </m:oMathPara>
-                </a14:m>
-                <a:endParaRPr lang="de-DE" sz="4000" dirty="0"/>
-              </a:p>
-            </p:txBody>
-          </p:sp>
-        </mc:Choice>
-        <mc:Fallback xmlns="">
-          <p:sp>
-            <p:nvSpPr>
-              <p:cNvPr id="30" name="Textfeld 29">
-                <a:extLst>
-                  <a:ext uri="{FF2B5EF4-FFF2-40B4-BE49-F238E27FC236}">
-                    <a16:creationId xmlns:a16="http://schemas.microsoft.com/office/drawing/2014/main" id="{46E345C4-43E8-DF2E-5BBB-B6DA2D7D2775}"/>
-                  </a:ext>
-                </a:extLst>
-              </p:cNvPr>
-              <p:cNvSpPr txBox="1">
-                <a:spLocks noRot="1" noChangeAspect="1" noMove="1" noResize="1" noEditPoints="1" noAdjustHandles="1" noChangeArrowheads="1" noChangeShapeType="1" noTextEdit="1"/>
-              </p:cNvSpPr>
-              <p:nvPr/>
-            </p:nvSpPr>
-            <p:spPr>
-              <a:xfrm>
-                <a:off x="8607839" y="2653929"/>
-                <a:ext cx="427681" cy="615553"/>
-              </a:xfrm>
-              <a:prstGeom prst="rect">
-                <a:avLst/>
-              </a:prstGeom>
-              <a:blipFill>
-                <a:blip r:embed="rId9"/>
                 <a:stretch>
                   <a:fillRect/>
                 </a:stretch>
@@ -18080,6 +17784,318 @@
           </p:sp>
         </mc:Fallback>
       </mc:AlternateContent>
+      <mc:AlternateContent xmlns:mc="http://schemas.openxmlformats.org/markup-compatibility/2006">
+        <mc:Choice xmlns:a14="http://schemas.microsoft.com/office/drawing/2010/main" Requires="a14">
+          <p:sp>
+            <p:nvSpPr>
+              <p:cNvPr id="4" name="Textfeld 3">
+                <a:extLst>
+                  <a:ext uri="{FF2B5EF4-FFF2-40B4-BE49-F238E27FC236}">
+                    <a16:creationId xmlns:a16="http://schemas.microsoft.com/office/drawing/2014/main" id="{BF510A15-B2B3-C916-EC57-DB714941751A}"/>
+                  </a:ext>
+                </a:extLst>
+              </p:cNvPr>
+              <p:cNvSpPr txBox="1"/>
+              <p:nvPr/>
+            </p:nvSpPr>
+            <p:spPr>
+              <a:xfrm>
+                <a:off x="5609413" y="2635414"/>
+                <a:ext cx="426720" cy="553998"/>
+              </a:xfrm>
+              <a:prstGeom prst="rect">
+                <a:avLst/>
+              </a:prstGeom>
+              <a:noFill/>
+            </p:spPr>
+            <p:txBody>
+              <a:bodyPr wrap="none" lIns="0" tIns="0" rIns="0" bIns="0" rtlCol="0">
+                <a:spAutoFit/>
+              </a:bodyPr>
+              <a:lstStyle/>
+              <a:p>
+                <a:pPr/>
+                <a14:m>
+                  <m:oMathPara xmlns:m="http://schemas.openxmlformats.org/officeDocument/2006/math">
+                    <m:oMathParaPr>
+                      <m:jc m:val="centerGroup"/>
+                    </m:oMathParaPr>
+                    <m:oMath xmlns:m="http://schemas.openxmlformats.org/officeDocument/2006/math">
+                      <m:r>
+                        <a:rPr lang="de-DE" sz="3600" i="1" smtClean="0">
+                          <a:solidFill>
+                            <a:schemeClr val="bg1"/>
+                          </a:solidFill>
+                          <a:latin typeface="Cambria Math" panose="02040503050406030204" pitchFamily="18" charset="0"/>
+                          <a:ea typeface="Cambria Math" panose="02040503050406030204" pitchFamily="18" charset="0"/>
+                        </a:rPr>
+                        <m:t>𝜑</m:t>
+                      </m:r>
+                    </m:oMath>
+                  </m:oMathPara>
+                </a14:m>
+                <a:endParaRPr lang="de-DE" sz="3600" dirty="0">
+                  <a:solidFill>
+                    <a:schemeClr val="bg1"/>
+                  </a:solidFill>
+                </a:endParaRPr>
+              </a:p>
+            </p:txBody>
+          </p:sp>
+        </mc:Choice>
+        <mc:Fallback>
+          <p:sp>
+            <p:nvSpPr>
+              <p:cNvPr id="4" name="Textfeld 3">
+                <a:extLst>
+                  <a:ext uri="{FF2B5EF4-FFF2-40B4-BE49-F238E27FC236}">
+                    <a16:creationId xmlns:a16="http://schemas.microsoft.com/office/drawing/2014/main" id="{BF510A15-B2B3-C916-EC57-DB714941751A}"/>
+                  </a:ext>
+                </a:extLst>
+              </p:cNvPr>
+              <p:cNvSpPr txBox="1">
+                <a:spLocks noRot="1" noChangeAspect="1" noMove="1" noResize="1" noEditPoints="1" noAdjustHandles="1" noChangeArrowheads="1" noChangeShapeType="1" noTextEdit="1"/>
+              </p:cNvSpPr>
+              <p:nvPr/>
+            </p:nvSpPr>
+            <p:spPr>
+              <a:xfrm>
+                <a:off x="5609413" y="2635414"/>
+                <a:ext cx="426720" cy="553998"/>
+              </a:xfrm>
+              <a:prstGeom prst="rect">
+                <a:avLst/>
+              </a:prstGeom>
+              <a:blipFill>
+                <a:blip r:embed="rId22"/>
+                <a:stretch>
+                  <a:fillRect/>
+                </a:stretch>
+              </a:blipFill>
+            </p:spPr>
+            <p:txBody>
+              <a:bodyPr/>
+              <a:lstStyle/>
+              <a:p>
+                <a:r>
+                  <a:rPr lang="de-DE">
+                    <a:noFill/>
+                  </a:rPr>
+                  <a:t> </a:t>
+                </a:r>
+              </a:p>
+            </p:txBody>
+          </p:sp>
+        </mc:Fallback>
+      </mc:AlternateContent>
+      <mc:AlternateContent xmlns:mc="http://schemas.openxmlformats.org/markup-compatibility/2006">
+        <mc:Choice xmlns:a14="http://schemas.microsoft.com/office/drawing/2010/main" Requires="a14">
+          <p:sp>
+            <p:nvSpPr>
+              <p:cNvPr id="9" name="Textfeld 8">
+                <a:extLst>
+                  <a:ext uri="{FF2B5EF4-FFF2-40B4-BE49-F238E27FC236}">
+                    <a16:creationId xmlns:a16="http://schemas.microsoft.com/office/drawing/2014/main" id="{CCAF12A8-BDE4-EE31-C08B-5E3A7CC4CA48}"/>
+                  </a:ext>
+                </a:extLst>
+              </p:cNvPr>
+              <p:cNvSpPr txBox="1"/>
+              <p:nvPr/>
+            </p:nvSpPr>
+            <p:spPr>
+              <a:xfrm>
+                <a:off x="7110543" y="2651724"/>
+                <a:ext cx="426720" cy="553998"/>
+              </a:xfrm>
+              <a:prstGeom prst="rect">
+                <a:avLst/>
+              </a:prstGeom>
+              <a:noFill/>
+            </p:spPr>
+            <p:txBody>
+              <a:bodyPr wrap="none" lIns="0" tIns="0" rIns="0" bIns="0" rtlCol="0">
+                <a:spAutoFit/>
+              </a:bodyPr>
+              <a:lstStyle/>
+              <a:p>
+                <a:pPr/>
+                <a14:m>
+                  <m:oMathPara xmlns:m="http://schemas.openxmlformats.org/officeDocument/2006/math">
+                    <m:oMathParaPr>
+                      <m:jc m:val="centerGroup"/>
+                    </m:oMathParaPr>
+                    <m:oMath xmlns:m="http://schemas.openxmlformats.org/officeDocument/2006/math">
+                      <m:r>
+                        <a:rPr lang="de-DE" sz="3600" i="1" smtClean="0">
+                          <a:solidFill>
+                            <a:schemeClr val="bg1"/>
+                          </a:solidFill>
+                          <a:latin typeface="Cambria Math" panose="02040503050406030204" pitchFamily="18" charset="0"/>
+                          <a:ea typeface="Cambria Math" panose="02040503050406030204" pitchFamily="18" charset="0"/>
+                        </a:rPr>
+                        <m:t>𝜑</m:t>
+                      </m:r>
+                    </m:oMath>
+                  </m:oMathPara>
+                </a14:m>
+                <a:endParaRPr lang="de-DE" sz="3600" dirty="0">
+                  <a:solidFill>
+                    <a:schemeClr val="bg1"/>
+                  </a:solidFill>
+                </a:endParaRPr>
+              </a:p>
+            </p:txBody>
+          </p:sp>
+        </mc:Choice>
+        <mc:Fallback>
+          <p:sp>
+            <p:nvSpPr>
+              <p:cNvPr id="9" name="Textfeld 8">
+                <a:extLst>
+                  <a:ext uri="{FF2B5EF4-FFF2-40B4-BE49-F238E27FC236}">
+                    <a16:creationId xmlns:a16="http://schemas.microsoft.com/office/drawing/2014/main" id="{CCAF12A8-BDE4-EE31-C08B-5E3A7CC4CA48}"/>
+                  </a:ext>
+                </a:extLst>
+              </p:cNvPr>
+              <p:cNvSpPr txBox="1">
+                <a:spLocks noRot="1" noChangeAspect="1" noMove="1" noResize="1" noEditPoints="1" noAdjustHandles="1" noChangeArrowheads="1" noChangeShapeType="1" noTextEdit="1"/>
+              </p:cNvSpPr>
+              <p:nvPr/>
+            </p:nvSpPr>
+            <p:spPr>
+              <a:xfrm>
+                <a:off x="7110543" y="2651724"/>
+                <a:ext cx="426720" cy="553998"/>
+              </a:xfrm>
+              <a:prstGeom prst="rect">
+                <a:avLst/>
+              </a:prstGeom>
+              <a:blipFill>
+                <a:blip r:embed="rId23"/>
+                <a:stretch>
+                  <a:fillRect/>
+                </a:stretch>
+              </a:blipFill>
+            </p:spPr>
+            <p:txBody>
+              <a:bodyPr/>
+              <a:lstStyle/>
+              <a:p>
+                <a:r>
+                  <a:rPr lang="de-DE">
+                    <a:noFill/>
+                  </a:rPr>
+                  <a:t> </a:t>
+                </a:r>
+              </a:p>
+            </p:txBody>
+          </p:sp>
+        </mc:Fallback>
+      </mc:AlternateContent>
+      <mc:AlternateContent xmlns:mc="http://schemas.openxmlformats.org/markup-compatibility/2006">
+        <mc:Choice xmlns:a14="http://schemas.microsoft.com/office/drawing/2010/main" Requires="a14">
+          <p:sp>
+            <p:nvSpPr>
+              <p:cNvPr id="10" name="Textfeld 9">
+                <a:extLst>
+                  <a:ext uri="{FF2B5EF4-FFF2-40B4-BE49-F238E27FC236}">
+                    <a16:creationId xmlns:a16="http://schemas.microsoft.com/office/drawing/2014/main" id="{C16E7BCB-54BA-2948-2667-FB1D555556C9}"/>
+                  </a:ext>
+                </a:extLst>
+              </p:cNvPr>
+              <p:cNvSpPr txBox="1"/>
+              <p:nvPr/>
+            </p:nvSpPr>
+            <p:spPr>
+              <a:xfrm>
+                <a:off x="8624189" y="2661639"/>
+                <a:ext cx="426720" cy="553998"/>
+              </a:xfrm>
+              <a:prstGeom prst="rect">
+                <a:avLst/>
+              </a:prstGeom>
+              <a:noFill/>
+            </p:spPr>
+            <p:txBody>
+              <a:bodyPr wrap="none" lIns="0" tIns="0" rIns="0" bIns="0" rtlCol="0">
+                <a:spAutoFit/>
+              </a:bodyPr>
+              <a:lstStyle/>
+              <a:p>
+                <a:pPr/>
+                <a14:m>
+                  <m:oMathPara xmlns:m="http://schemas.openxmlformats.org/officeDocument/2006/math">
+                    <m:oMathParaPr>
+                      <m:jc m:val="centerGroup"/>
+                    </m:oMathParaPr>
+                    <m:oMath xmlns:m="http://schemas.openxmlformats.org/officeDocument/2006/math">
+                      <m:r>
+                        <a:rPr lang="de-DE" sz="3600" i="1" smtClean="0">
+                          <a:solidFill>
+                            <a:schemeClr val="bg1"/>
+                          </a:solidFill>
+                          <a:latin typeface="Cambria Math" panose="02040503050406030204" pitchFamily="18" charset="0"/>
+                          <a:ea typeface="Cambria Math" panose="02040503050406030204" pitchFamily="18" charset="0"/>
+                        </a:rPr>
+                        <m:t>𝜑</m:t>
+                      </m:r>
+                    </m:oMath>
+                  </m:oMathPara>
+                </a14:m>
+                <a:endParaRPr lang="de-DE" sz="3600" dirty="0">
+                  <a:solidFill>
+                    <a:schemeClr val="bg1"/>
+                  </a:solidFill>
+                </a:endParaRPr>
+              </a:p>
+            </p:txBody>
+          </p:sp>
+        </mc:Choice>
+        <mc:Fallback>
+          <p:sp>
+            <p:nvSpPr>
+              <p:cNvPr id="10" name="Textfeld 9">
+                <a:extLst>
+                  <a:ext uri="{FF2B5EF4-FFF2-40B4-BE49-F238E27FC236}">
+                    <a16:creationId xmlns:a16="http://schemas.microsoft.com/office/drawing/2014/main" id="{C16E7BCB-54BA-2948-2667-FB1D555556C9}"/>
+                  </a:ext>
+                </a:extLst>
+              </p:cNvPr>
+              <p:cNvSpPr txBox="1">
+                <a:spLocks noRot="1" noChangeAspect="1" noMove="1" noResize="1" noEditPoints="1" noAdjustHandles="1" noChangeArrowheads="1" noChangeShapeType="1" noTextEdit="1"/>
+              </p:cNvSpPr>
+              <p:nvPr/>
+            </p:nvSpPr>
+            <p:spPr>
+              <a:xfrm>
+                <a:off x="8624189" y="2661639"/>
+                <a:ext cx="426720" cy="553998"/>
+              </a:xfrm>
+              <a:prstGeom prst="rect">
+                <a:avLst/>
+              </a:prstGeom>
+              <a:blipFill>
+                <a:blip r:embed="rId24"/>
+                <a:stretch>
+                  <a:fillRect/>
+                </a:stretch>
+              </a:blipFill>
+            </p:spPr>
+            <p:txBody>
+              <a:bodyPr/>
+              <a:lstStyle/>
+              <a:p>
+                <a:r>
+                  <a:rPr lang="de-DE">
+                    <a:noFill/>
+                  </a:rPr>
+                  <a:t> </a:t>
+                </a:r>
+              </a:p>
+            </p:txBody>
+          </p:sp>
+        </mc:Fallback>
+      </mc:AlternateContent>
     </p:spTree>
     <p:extLst>
       <p:ext uri="{BB962C8B-B14F-4D97-AF65-F5344CB8AC3E}">

--- a/Microsoft PowerPoint-Präsentation (neu).pptx
+++ b/Microsoft PowerPoint-Präsentation (neu).pptx
@@ -271,7 +271,7 @@
           <a:p>
             <a:fld id="{AC388E9C-BE03-4D12-9C2B-9D11FB1AF24E}" type="datetimeFigureOut">
               <a:rPr lang="de-DE" smtClean="0"/>
-              <a:t>25.08.2023</a:t>
+              <a:t>30.08.2023</a:t>
             </a:fld>
             <a:endParaRPr lang="de-DE"/>
           </a:p>
@@ -469,7 +469,7 @@
           <a:p>
             <a:fld id="{AC388E9C-BE03-4D12-9C2B-9D11FB1AF24E}" type="datetimeFigureOut">
               <a:rPr lang="de-DE" smtClean="0"/>
-              <a:t>25.08.2023</a:t>
+              <a:t>30.08.2023</a:t>
             </a:fld>
             <a:endParaRPr lang="de-DE"/>
           </a:p>
@@ -677,7 +677,7 @@
           <a:p>
             <a:fld id="{AC388E9C-BE03-4D12-9C2B-9D11FB1AF24E}" type="datetimeFigureOut">
               <a:rPr lang="de-DE" smtClean="0"/>
-              <a:t>25.08.2023</a:t>
+              <a:t>30.08.2023</a:t>
             </a:fld>
             <a:endParaRPr lang="de-DE"/>
           </a:p>
@@ -875,7 +875,7 @@
           <a:p>
             <a:fld id="{AC388E9C-BE03-4D12-9C2B-9D11FB1AF24E}" type="datetimeFigureOut">
               <a:rPr lang="de-DE" smtClean="0"/>
-              <a:t>25.08.2023</a:t>
+              <a:t>30.08.2023</a:t>
             </a:fld>
             <a:endParaRPr lang="de-DE"/>
           </a:p>
@@ -1150,7 +1150,7 @@
           <a:p>
             <a:fld id="{AC388E9C-BE03-4D12-9C2B-9D11FB1AF24E}" type="datetimeFigureOut">
               <a:rPr lang="de-DE" smtClean="0"/>
-              <a:t>25.08.2023</a:t>
+              <a:t>30.08.2023</a:t>
             </a:fld>
             <a:endParaRPr lang="de-DE"/>
           </a:p>
@@ -1415,7 +1415,7 @@
           <a:p>
             <a:fld id="{AC388E9C-BE03-4D12-9C2B-9D11FB1AF24E}" type="datetimeFigureOut">
               <a:rPr lang="de-DE" smtClean="0"/>
-              <a:t>25.08.2023</a:t>
+              <a:t>30.08.2023</a:t>
             </a:fld>
             <a:endParaRPr lang="de-DE"/>
           </a:p>
@@ -1827,7 +1827,7 @@
           <a:p>
             <a:fld id="{AC388E9C-BE03-4D12-9C2B-9D11FB1AF24E}" type="datetimeFigureOut">
               <a:rPr lang="de-DE" smtClean="0"/>
-              <a:t>25.08.2023</a:t>
+              <a:t>30.08.2023</a:t>
             </a:fld>
             <a:endParaRPr lang="de-DE"/>
           </a:p>
@@ -1968,7 +1968,7 @@
           <a:p>
             <a:fld id="{AC388E9C-BE03-4D12-9C2B-9D11FB1AF24E}" type="datetimeFigureOut">
               <a:rPr lang="de-DE" smtClean="0"/>
-              <a:t>25.08.2023</a:t>
+              <a:t>30.08.2023</a:t>
             </a:fld>
             <a:endParaRPr lang="de-DE"/>
           </a:p>
@@ -2081,7 +2081,7 @@
           <a:p>
             <a:fld id="{AC388E9C-BE03-4D12-9C2B-9D11FB1AF24E}" type="datetimeFigureOut">
               <a:rPr lang="de-DE" smtClean="0"/>
-              <a:t>25.08.2023</a:t>
+              <a:t>30.08.2023</a:t>
             </a:fld>
             <a:endParaRPr lang="de-DE"/>
           </a:p>
@@ -2392,7 +2392,7 @@
           <a:p>
             <a:fld id="{AC388E9C-BE03-4D12-9C2B-9D11FB1AF24E}" type="datetimeFigureOut">
               <a:rPr lang="de-DE" smtClean="0"/>
-              <a:t>25.08.2023</a:t>
+              <a:t>30.08.2023</a:t>
             </a:fld>
             <a:endParaRPr lang="de-DE"/>
           </a:p>
@@ -2680,7 +2680,7 @@
           <a:p>
             <a:fld id="{AC388E9C-BE03-4D12-9C2B-9D11FB1AF24E}" type="datetimeFigureOut">
               <a:rPr lang="de-DE" smtClean="0"/>
-              <a:t>25.08.2023</a:t>
+              <a:t>30.08.2023</a:t>
             </a:fld>
             <a:endParaRPr lang="de-DE"/>
           </a:p>
@@ -2921,7 +2921,7 @@
           <a:p>
             <a:fld id="{AC388E9C-BE03-4D12-9C2B-9D11FB1AF24E}" type="datetimeFigureOut">
               <a:rPr lang="de-DE" smtClean="0"/>
-              <a:t>25.08.2023</a:t>
+              <a:t>30.08.2023</a:t>
             </a:fld>
             <a:endParaRPr lang="de-DE"/>
           </a:p>
@@ -4227,77 +4227,6 @@
           <a:chExt cx="0" cy="0"/>
         </a:xfrm>
       </p:grpSpPr>
-      <p:pic>
-        <p:nvPicPr>
-          <p:cNvPr id="5" name="Grafik 4" descr="Ein Bild, das Text, Screenshot, Diagramm, Farbigkeit enthält.&#10;&#10;Automatisch generierte Beschreibung">
-            <a:extLst>
-              <a:ext uri="{FF2B5EF4-FFF2-40B4-BE49-F238E27FC236}">
-                <a16:creationId xmlns:a16="http://schemas.microsoft.com/office/drawing/2014/main" id="{B5DD01A1-25E3-0C3E-3E76-41683073B381}"/>
-              </a:ext>
-            </a:extLst>
-          </p:cNvPr>
-          <p:cNvPicPr>
-            <a:picLocks noChangeAspect="1"/>
-          </p:cNvPicPr>
-          <p:nvPr/>
-        </p:nvPicPr>
-        <p:blipFill>
-          <a:blip r:embed="rId2">
-            <a:extLst>
-              <a:ext uri="{28A0092B-C50C-407E-A947-70E740481C1C}">
-                <a14:useLocalDpi xmlns:a14="http://schemas.microsoft.com/office/drawing/2010/main" val="0"/>
-              </a:ext>
-            </a:extLst>
-          </a:blip>
-          <a:stretch>
-            <a:fillRect/>
-          </a:stretch>
-        </p:blipFill>
-        <p:spPr>
-          <a:xfrm>
-            <a:off x="315843" y="1348736"/>
-            <a:ext cx="5330963" cy="4160528"/>
-          </a:xfrm>
-          <a:prstGeom prst="rect">
-            <a:avLst/>
-          </a:prstGeom>
-        </p:spPr>
-      </p:pic>
-      <p:pic>
-        <p:nvPicPr>
-          <p:cNvPr id="7" name="Grafik 6" descr="Ein Bild, das Text, Screenshot, Farbigkeit, Diagramm enthält.&#10;&#10;Automatisch generierte Beschreibung">
-            <a:extLst>
-              <a:ext uri="{FF2B5EF4-FFF2-40B4-BE49-F238E27FC236}">
-                <a16:creationId xmlns:a16="http://schemas.microsoft.com/office/drawing/2014/main" id="{433853B9-737F-95C5-0C4B-4D3E485D7CF6}"/>
-              </a:ext>
-            </a:extLst>
-          </p:cNvPr>
-          <p:cNvPicPr>
-            <a:picLocks noChangeAspect="1"/>
-          </p:cNvPicPr>
-          <p:nvPr/>
-        </p:nvPicPr>
-        <p:blipFill rotWithShape="1">
-          <a:blip r:embed="rId3">
-            <a:extLst>
-              <a:ext uri="{28A0092B-C50C-407E-A947-70E740481C1C}">
-                <a14:useLocalDpi xmlns:a14="http://schemas.microsoft.com/office/drawing/2010/main" val="0"/>
-              </a:ext>
-            </a:extLst>
-          </a:blip>
-          <a:srcRect l="20869"/>
-          <a:stretch/>
-        </p:blipFill>
-        <p:spPr>
-          <a:xfrm>
-            <a:off x="4975653" y="1348736"/>
-            <a:ext cx="4659811" cy="4160528"/>
-          </a:xfrm>
-          <a:prstGeom prst="rect">
-            <a:avLst/>
-          </a:prstGeom>
-        </p:spPr>
-      </p:pic>
       <p:sp>
         <p:nvSpPr>
           <p:cNvPr id="9" name="Rechteck 8">
@@ -4640,6 +4569,76 @@
           </a:p>
         </p:txBody>
       </p:sp>
+      <p:pic>
+        <p:nvPicPr>
+          <p:cNvPr id="3" name="Grafik 2" descr="Ein Bild, das Screenshot, Text, Farbigkeit, Diagramm enthält.&#10;&#10;Automatisch generierte Beschreibung">
+            <a:extLst>
+              <a:ext uri="{FF2B5EF4-FFF2-40B4-BE49-F238E27FC236}">
+                <a16:creationId xmlns:a16="http://schemas.microsoft.com/office/drawing/2014/main" id="{00949712-4D47-C2B8-52A1-4534D87994C8}"/>
+              </a:ext>
+            </a:extLst>
+          </p:cNvPr>
+          <p:cNvPicPr>
+            <a:picLocks noChangeAspect="1"/>
+          </p:cNvPicPr>
+          <p:nvPr/>
+        </p:nvPicPr>
+        <p:blipFill rotWithShape="1">
+          <a:blip r:embed="rId2">
+            <a:extLst>
+              <a:ext uri="{28A0092B-C50C-407E-A947-70E740481C1C}">
+                <a14:useLocalDpi xmlns:a14="http://schemas.microsoft.com/office/drawing/2010/main" val="0"/>
+              </a:ext>
+            </a:extLst>
+          </a:blip>
+          <a:srcRect t="6761" r="13364"/>
+          <a:stretch/>
+        </p:blipFill>
+        <p:spPr>
+          <a:xfrm>
+            <a:off x="360037" y="1630026"/>
+            <a:ext cx="4475572" cy="3872066"/>
+          </a:xfrm>
+          <a:prstGeom prst="rect">
+            <a:avLst/>
+          </a:prstGeom>
+        </p:spPr>
+      </p:pic>
+      <p:pic>
+        <p:nvPicPr>
+          <p:cNvPr id="6" name="Grafik 5" descr="Ein Bild, das Screenshot, Text, Farbigkeit, Quadrat enthält.&#10;&#10;Automatisch generierte Beschreibung">
+            <a:extLst>
+              <a:ext uri="{FF2B5EF4-FFF2-40B4-BE49-F238E27FC236}">
+                <a16:creationId xmlns:a16="http://schemas.microsoft.com/office/drawing/2014/main" id="{C23754F3-F3E0-3C4C-BF11-1E8BE53986F4}"/>
+              </a:ext>
+            </a:extLst>
+          </p:cNvPr>
+          <p:cNvPicPr>
+            <a:picLocks noChangeAspect="1"/>
+          </p:cNvPicPr>
+          <p:nvPr/>
+        </p:nvPicPr>
+        <p:blipFill rotWithShape="1">
+          <a:blip r:embed="rId3">
+            <a:extLst>
+              <a:ext uri="{28A0092B-C50C-407E-A947-70E740481C1C}">
+                <a14:useLocalDpi xmlns:a14="http://schemas.microsoft.com/office/drawing/2010/main" val="0"/>
+              </a:ext>
+            </a:extLst>
+          </a:blip>
+          <a:srcRect l="20340" t="6933" r="1466"/>
+          <a:stretch/>
+        </p:blipFill>
+        <p:spPr>
+          <a:xfrm>
+            <a:off x="4964700" y="1644369"/>
+            <a:ext cx="4061257" cy="3872067"/>
+          </a:xfrm>
+          <a:prstGeom prst="rect">
+            <a:avLst/>
+          </a:prstGeom>
+        </p:spPr>
+      </p:pic>
     </p:spTree>
     <p:extLst>
       <p:ext uri="{BB962C8B-B14F-4D97-AF65-F5344CB8AC3E}">
@@ -4670,76 +4669,6 @@
           <a:chExt cx="0" cy="0"/>
         </a:xfrm>
       </p:grpSpPr>
-      <p:pic>
-        <p:nvPicPr>
-          <p:cNvPr id="12" name="Grafik 11" descr="Ein Bild, das Text, Screenshot, Diagramm, Farbigkeit enthält.&#10;&#10;Automatisch generierte Beschreibung">
-            <a:extLst>
-              <a:ext uri="{FF2B5EF4-FFF2-40B4-BE49-F238E27FC236}">
-                <a16:creationId xmlns:a16="http://schemas.microsoft.com/office/drawing/2014/main" id="{F9FDCD03-CF97-3DC1-34BB-29FF32150D47}"/>
-              </a:ext>
-            </a:extLst>
-          </p:cNvPr>
-          <p:cNvPicPr>
-            <a:picLocks noChangeAspect="1"/>
-          </p:cNvPicPr>
-          <p:nvPr/>
-        </p:nvPicPr>
-        <p:blipFill rotWithShape="1">
-          <a:blip r:embed="rId2">
-            <a:extLst>
-              <a:ext uri="{28A0092B-C50C-407E-A947-70E740481C1C}">
-                <a14:useLocalDpi xmlns:a14="http://schemas.microsoft.com/office/drawing/2010/main" val="0"/>
-              </a:ext>
-            </a:extLst>
-          </a:blip>
-          <a:srcRect l="21321" r="9524"/>
-          <a:stretch/>
-        </p:blipFill>
-        <p:spPr>
-          <a:xfrm>
-            <a:off x="5531833" y="1699583"/>
-            <a:ext cx="4143261" cy="4232943"/>
-          </a:xfrm>
-          <a:prstGeom prst="rect">
-            <a:avLst/>
-          </a:prstGeom>
-        </p:spPr>
-      </p:pic>
-      <p:pic>
-        <p:nvPicPr>
-          <p:cNvPr id="14" name="Grafik 13" descr="Ein Bild, das Text, Screenshot, Diagramm, Farbigkeit enthält.&#10;&#10;Automatisch generierte Beschreibung">
-            <a:extLst>
-              <a:ext uri="{FF2B5EF4-FFF2-40B4-BE49-F238E27FC236}">
-                <a16:creationId xmlns:a16="http://schemas.microsoft.com/office/drawing/2014/main" id="{EDAB397E-D3EC-D244-3286-5E572D2034BC}"/>
-              </a:ext>
-            </a:extLst>
-          </p:cNvPr>
-          <p:cNvPicPr>
-            <a:picLocks noChangeAspect="1"/>
-          </p:cNvPicPr>
-          <p:nvPr/>
-        </p:nvPicPr>
-        <p:blipFill rotWithShape="1">
-          <a:blip r:embed="rId3">
-            <a:extLst>
-              <a:ext uri="{28A0092B-C50C-407E-A947-70E740481C1C}">
-                <a14:useLocalDpi xmlns:a14="http://schemas.microsoft.com/office/drawing/2010/main" val="0"/>
-              </a:ext>
-            </a:extLst>
-          </a:blip>
-          <a:srcRect r="16261"/>
-          <a:stretch/>
-        </p:blipFill>
-        <p:spPr>
-          <a:xfrm>
-            <a:off x="833110" y="1699583"/>
-            <a:ext cx="4510657" cy="4196735"/>
-          </a:xfrm>
-          <a:prstGeom prst="rect">
-            <a:avLst/>
-          </a:prstGeom>
-        </p:spPr>
-      </p:pic>
       <p:sp>
         <p:nvSpPr>
           <p:cNvPr id="6" name="Rechteck 5">
@@ -4920,6 +4849,76 @@
           </a:p>
         </p:txBody>
       </p:sp>
+      <p:pic>
+        <p:nvPicPr>
+          <p:cNvPr id="3" name="Grafik 2" descr="Ein Bild, das Screenshot, Text, Farbigkeit, Diagramm enthält.&#10;&#10;Automatisch generierte Beschreibung">
+            <a:extLst>
+              <a:ext uri="{FF2B5EF4-FFF2-40B4-BE49-F238E27FC236}">
+                <a16:creationId xmlns:a16="http://schemas.microsoft.com/office/drawing/2014/main" id="{0F341660-E43D-41AC-BF5A-F2FE8A6DD19A}"/>
+              </a:ext>
+            </a:extLst>
+          </p:cNvPr>
+          <p:cNvPicPr>
+            <a:picLocks noChangeAspect="1"/>
+          </p:cNvPicPr>
+          <p:nvPr/>
+        </p:nvPicPr>
+        <p:blipFill rotWithShape="1">
+          <a:blip r:embed="rId2">
+            <a:extLst>
+              <a:ext uri="{28A0092B-C50C-407E-A947-70E740481C1C}">
+                <a14:useLocalDpi xmlns:a14="http://schemas.microsoft.com/office/drawing/2010/main" val="0"/>
+              </a:ext>
+            </a:extLst>
+          </a:blip>
+          <a:srcRect t="6668" r="13456"/>
+          <a:stretch/>
+        </p:blipFill>
+        <p:spPr>
+          <a:xfrm>
+            <a:off x="911811" y="2008544"/>
+            <a:ext cx="4510657" cy="3910502"/>
+          </a:xfrm>
+          <a:prstGeom prst="rect">
+            <a:avLst/>
+          </a:prstGeom>
+        </p:spPr>
+      </p:pic>
+      <p:pic>
+        <p:nvPicPr>
+          <p:cNvPr id="5" name="Grafik 4" descr="Ein Bild, das Screenshot, Text, Farbigkeit, Diagramm enthält.&#10;&#10;Automatisch generierte Beschreibung">
+            <a:extLst>
+              <a:ext uri="{FF2B5EF4-FFF2-40B4-BE49-F238E27FC236}">
+                <a16:creationId xmlns:a16="http://schemas.microsoft.com/office/drawing/2014/main" id="{5AA69D3A-7FB1-3E42-1A8C-64081655A219}"/>
+              </a:ext>
+            </a:extLst>
+          </p:cNvPr>
+          <p:cNvPicPr>
+            <a:picLocks noChangeAspect="1"/>
+          </p:cNvPicPr>
+          <p:nvPr/>
+        </p:nvPicPr>
+        <p:blipFill rotWithShape="1">
+          <a:blip r:embed="rId3">
+            <a:extLst>
+              <a:ext uri="{28A0092B-C50C-407E-A947-70E740481C1C}">
+                <a14:useLocalDpi xmlns:a14="http://schemas.microsoft.com/office/drawing/2010/main" val="0"/>
+              </a:ext>
+            </a:extLst>
+          </a:blip>
+          <a:srcRect l="20227" t="6533" r="1641"/>
+          <a:stretch/>
+        </p:blipFill>
+        <p:spPr>
+          <a:xfrm>
+            <a:off x="5544387" y="1995064"/>
+            <a:ext cx="4080758" cy="3910502"/>
+          </a:xfrm>
+          <a:prstGeom prst="rect">
+            <a:avLst/>
+          </a:prstGeom>
+        </p:spPr>
+      </p:pic>
     </p:spTree>
     <p:extLst>
       <p:ext uri="{BB962C8B-B14F-4D97-AF65-F5344CB8AC3E}">
@@ -4950,76 +4949,6 @@
           <a:chExt cx="0" cy="0"/>
         </a:xfrm>
       </p:grpSpPr>
-      <p:pic>
-        <p:nvPicPr>
-          <p:cNvPr id="11" name="Grafik 10" descr="Ein Bild, das Text, Screenshot, Diagramm, Farbigkeit enthält.&#10;&#10;Automatisch generierte Beschreibung">
-            <a:extLst>
-              <a:ext uri="{FF2B5EF4-FFF2-40B4-BE49-F238E27FC236}">
-                <a16:creationId xmlns:a16="http://schemas.microsoft.com/office/drawing/2014/main" id="{3A790D9C-336F-5AD0-88D1-41AA118C42CB}"/>
-              </a:ext>
-            </a:extLst>
-          </p:cNvPr>
-          <p:cNvPicPr>
-            <a:picLocks noChangeAspect="1"/>
-          </p:cNvPicPr>
-          <p:nvPr/>
-        </p:nvPicPr>
-        <p:blipFill rotWithShape="1">
-          <a:blip r:embed="rId2">
-            <a:extLst>
-              <a:ext uri="{28A0092B-C50C-407E-A947-70E740481C1C}">
-                <a14:useLocalDpi xmlns:a14="http://schemas.microsoft.com/office/drawing/2010/main" val="0"/>
-              </a:ext>
-            </a:extLst>
-          </a:blip>
-          <a:srcRect l="-680" t="-229" r="16212" b="229"/>
-          <a:stretch/>
-        </p:blipFill>
-        <p:spPr>
-          <a:xfrm>
-            <a:off x="1179097" y="1736686"/>
-            <a:ext cx="4510657" cy="4160528"/>
-          </a:xfrm>
-          <a:prstGeom prst="rect">
-            <a:avLst/>
-          </a:prstGeom>
-        </p:spPr>
-      </p:pic>
-      <p:pic>
-        <p:nvPicPr>
-          <p:cNvPr id="13" name="Grafik 12" descr="Ein Bild, das Text, Screenshot, Farbigkeit, Diagramm enthält.&#10;&#10;Automatisch generierte Beschreibung">
-            <a:extLst>
-              <a:ext uri="{FF2B5EF4-FFF2-40B4-BE49-F238E27FC236}">
-                <a16:creationId xmlns:a16="http://schemas.microsoft.com/office/drawing/2014/main" id="{000C3B24-B426-BEF7-B7DB-F558B003ABB3}"/>
-              </a:ext>
-            </a:extLst>
-          </p:cNvPr>
-          <p:cNvPicPr>
-            <a:picLocks noChangeAspect="1"/>
-          </p:cNvPicPr>
-          <p:nvPr/>
-        </p:nvPicPr>
-        <p:blipFill rotWithShape="1">
-          <a:blip r:embed="rId3">
-            <a:extLst>
-              <a:ext uri="{28A0092B-C50C-407E-A947-70E740481C1C}">
-                <a14:useLocalDpi xmlns:a14="http://schemas.microsoft.com/office/drawing/2010/main" val="0"/>
-              </a:ext>
-            </a:extLst>
-          </a:blip>
-          <a:srcRect l="21189" r="9744"/>
-          <a:stretch/>
-        </p:blipFill>
-        <p:spPr>
-          <a:xfrm>
-            <a:off x="5864799" y="1736686"/>
-            <a:ext cx="4067176" cy="4160528"/>
-          </a:xfrm>
-          <a:prstGeom prst="rect">
-            <a:avLst/>
-          </a:prstGeom>
-        </p:spPr>
-      </p:pic>
       <p:sp>
         <p:nvSpPr>
           <p:cNvPr id="6" name="Rechteck 5">
@@ -5146,6 +5075,76 @@
           </a:p>
         </p:txBody>
       </p:sp>
+      <p:pic>
+        <p:nvPicPr>
+          <p:cNvPr id="3" name="Grafik 2" descr="Ein Bild, das Screenshot, Text, Farbigkeit, Quadrat enthält.&#10;&#10;Automatisch generierte Beschreibung">
+            <a:extLst>
+              <a:ext uri="{FF2B5EF4-FFF2-40B4-BE49-F238E27FC236}">
+                <a16:creationId xmlns:a16="http://schemas.microsoft.com/office/drawing/2014/main" id="{ECD97D8A-21C2-C670-BD4E-0645C92A7A6E}"/>
+              </a:ext>
+            </a:extLst>
+          </p:cNvPr>
+          <p:cNvPicPr>
+            <a:picLocks noChangeAspect="1"/>
+          </p:cNvPicPr>
+          <p:nvPr/>
+        </p:nvPicPr>
+        <p:blipFill rotWithShape="1">
+          <a:blip r:embed="rId2">
+            <a:extLst>
+              <a:ext uri="{28A0092B-C50C-407E-A947-70E740481C1C}">
+                <a14:useLocalDpi xmlns:a14="http://schemas.microsoft.com/office/drawing/2010/main" val="0"/>
+              </a:ext>
+            </a:extLst>
+          </a:blip>
+          <a:srcRect t="6985" r="14210"/>
+          <a:stretch/>
+        </p:blipFill>
+        <p:spPr>
+          <a:xfrm>
+            <a:off x="1265035" y="2027280"/>
+            <a:ext cx="4510657" cy="3869934"/>
+          </a:xfrm>
+          <a:prstGeom prst="rect">
+            <a:avLst/>
+          </a:prstGeom>
+        </p:spPr>
+      </p:pic>
+      <p:pic>
+        <p:nvPicPr>
+          <p:cNvPr id="5" name="Grafik 4" descr="Ein Bild, das Text, Screenshot, Farbigkeit, Quadrat enthält.&#10;&#10;Automatisch generierte Beschreibung">
+            <a:extLst>
+              <a:ext uri="{FF2B5EF4-FFF2-40B4-BE49-F238E27FC236}">
+                <a16:creationId xmlns:a16="http://schemas.microsoft.com/office/drawing/2014/main" id="{C0C77302-B457-9E34-C20A-1B8A15939CE0}"/>
+              </a:ext>
+            </a:extLst>
+          </p:cNvPr>
+          <p:cNvPicPr>
+            <a:picLocks noChangeAspect="1"/>
+          </p:cNvPicPr>
+          <p:nvPr/>
+        </p:nvPicPr>
+        <p:blipFill rotWithShape="1">
+          <a:blip r:embed="rId3">
+            <a:extLst>
+              <a:ext uri="{28A0092B-C50C-407E-A947-70E740481C1C}">
+                <a14:useLocalDpi xmlns:a14="http://schemas.microsoft.com/office/drawing/2010/main" val="0"/>
+              </a:ext>
+            </a:extLst>
+          </a:blip>
+          <a:srcRect l="20075" t="6985" r="1429"/>
+          <a:stretch/>
+        </p:blipFill>
+        <p:spPr>
+          <a:xfrm>
+            <a:off x="5893925" y="2027280"/>
+            <a:ext cx="4127157" cy="3869934"/>
+          </a:xfrm>
+          <a:prstGeom prst="rect">
+            <a:avLst/>
+          </a:prstGeom>
+        </p:spPr>
+      </p:pic>
     </p:spTree>
     <p:extLst>
       <p:ext uri="{BB962C8B-B14F-4D97-AF65-F5344CB8AC3E}">
@@ -13352,8 +13351,8 @@
           </p:sp>
         </mc:Fallback>
       </mc:AlternateContent>
-      <mc:AlternateContent xmlns:mc="http://schemas.openxmlformats.org/markup-compatibility/2006">
-        <mc:Choice xmlns:a14="http://schemas.microsoft.com/office/drawing/2010/main" Requires="a14">
+      <mc:AlternateContent xmlns:mc="http://schemas.openxmlformats.org/markup-compatibility/2006" xmlns:a14="http://schemas.microsoft.com/office/drawing/2010/main">
+        <mc:Choice Requires="a14">
           <p:sp>
             <p:nvSpPr>
               <p:cNvPr id="11" name="Textfeld 10">
@@ -13404,7 +13403,7 @@
             </p:txBody>
           </p:sp>
         </mc:Choice>
-        <mc:Fallback>
+        <mc:Fallback xmlns="">
           <p:sp>
             <p:nvSpPr>
               <p:cNvPr id="11" name="Textfeld 10">
@@ -14980,8 +14979,8 @@
           </p:sp>
         </mc:Fallback>
       </mc:AlternateContent>
-      <mc:AlternateContent xmlns:mc="http://schemas.openxmlformats.org/markup-compatibility/2006">
-        <mc:Choice xmlns:a14="http://schemas.microsoft.com/office/drawing/2010/main" Requires="a14">
+      <mc:AlternateContent xmlns:mc="http://schemas.openxmlformats.org/markup-compatibility/2006" xmlns:a14="http://schemas.microsoft.com/office/drawing/2010/main">
+        <mc:Choice Requires="a14">
           <p:sp>
             <p:nvSpPr>
               <p:cNvPr id="8" name="Textfeld 7">
@@ -15039,7 +15038,7 @@
             </p:txBody>
           </p:sp>
         </mc:Choice>
-        <mc:Fallback>
+        <mc:Fallback xmlns="">
           <p:sp>
             <p:nvSpPr>
               <p:cNvPr id="8" name="Textfeld 7">
@@ -17784,8 +17783,8 @@
           </p:sp>
         </mc:Fallback>
       </mc:AlternateContent>
-      <mc:AlternateContent xmlns:mc="http://schemas.openxmlformats.org/markup-compatibility/2006">
-        <mc:Choice xmlns:a14="http://schemas.microsoft.com/office/drawing/2010/main" Requires="a14">
+      <mc:AlternateContent xmlns:mc="http://schemas.openxmlformats.org/markup-compatibility/2006" xmlns:a14="http://schemas.microsoft.com/office/drawing/2010/main">
+        <mc:Choice Requires="a14">
           <p:sp>
             <p:nvSpPr>
               <p:cNvPr id="4" name="Textfeld 3">
@@ -17843,7 +17842,7 @@
             </p:txBody>
           </p:sp>
         </mc:Choice>
-        <mc:Fallback>
+        <mc:Fallback xmlns="">
           <p:sp>
             <p:nvSpPr>
               <p:cNvPr id="4" name="Textfeld 3">
@@ -17888,8 +17887,8 @@
           </p:sp>
         </mc:Fallback>
       </mc:AlternateContent>
-      <mc:AlternateContent xmlns:mc="http://schemas.openxmlformats.org/markup-compatibility/2006">
-        <mc:Choice xmlns:a14="http://schemas.microsoft.com/office/drawing/2010/main" Requires="a14">
+      <mc:AlternateContent xmlns:mc="http://schemas.openxmlformats.org/markup-compatibility/2006" xmlns:a14="http://schemas.microsoft.com/office/drawing/2010/main">
+        <mc:Choice Requires="a14">
           <p:sp>
             <p:nvSpPr>
               <p:cNvPr id="9" name="Textfeld 8">
@@ -17947,7 +17946,7 @@
             </p:txBody>
           </p:sp>
         </mc:Choice>
-        <mc:Fallback>
+        <mc:Fallback xmlns="">
           <p:sp>
             <p:nvSpPr>
               <p:cNvPr id="9" name="Textfeld 8">
@@ -17992,8 +17991,8 @@
           </p:sp>
         </mc:Fallback>
       </mc:AlternateContent>
-      <mc:AlternateContent xmlns:mc="http://schemas.openxmlformats.org/markup-compatibility/2006">
-        <mc:Choice xmlns:a14="http://schemas.microsoft.com/office/drawing/2010/main" Requires="a14">
+      <mc:AlternateContent xmlns:mc="http://schemas.openxmlformats.org/markup-compatibility/2006" xmlns:a14="http://schemas.microsoft.com/office/drawing/2010/main">
+        <mc:Choice Requires="a14">
           <p:sp>
             <p:nvSpPr>
               <p:cNvPr id="10" name="Textfeld 9">
@@ -18051,7 +18050,7 @@
             </p:txBody>
           </p:sp>
         </mc:Choice>
-        <mc:Fallback>
+        <mc:Fallback xmlns="">
           <p:sp>
             <p:nvSpPr>
               <p:cNvPr id="10" name="Textfeld 9">

--- a/Microsoft PowerPoint-Präsentation (neu).pptx
+++ b/Microsoft PowerPoint-Präsentation (neu).pptx
@@ -271,7 +271,7 @@
           <a:p>
             <a:fld id="{AC388E9C-BE03-4D12-9C2B-9D11FB1AF24E}" type="datetimeFigureOut">
               <a:rPr lang="de-DE" smtClean="0"/>
-              <a:t>30.08.2023</a:t>
+              <a:t>03.09.2023</a:t>
             </a:fld>
             <a:endParaRPr lang="de-DE"/>
           </a:p>
@@ -469,7 +469,7 @@
           <a:p>
             <a:fld id="{AC388E9C-BE03-4D12-9C2B-9D11FB1AF24E}" type="datetimeFigureOut">
               <a:rPr lang="de-DE" smtClean="0"/>
-              <a:t>30.08.2023</a:t>
+              <a:t>03.09.2023</a:t>
             </a:fld>
             <a:endParaRPr lang="de-DE"/>
           </a:p>
@@ -677,7 +677,7 @@
           <a:p>
             <a:fld id="{AC388E9C-BE03-4D12-9C2B-9D11FB1AF24E}" type="datetimeFigureOut">
               <a:rPr lang="de-DE" smtClean="0"/>
-              <a:t>30.08.2023</a:t>
+              <a:t>03.09.2023</a:t>
             </a:fld>
             <a:endParaRPr lang="de-DE"/>
           </a:p>
@@ -875,7 +875,7 @@
           <a:p>
             <a:fld id="{AC388E9C-BE03-4D12-9C2B-9D11FB1AF24E}" type="datetimeFigureOut">
               <a:rPr lang="de-DE" smtClean="0"/>
-              <a:t>30.08.2023</a:t>
+              <a:t>03.09.2023</a:t>
             </a:fld>
             <a:endParaRPr lang="de-DE"/>
           </a:p>
@@ -1150,7 +1150,7 @@
           <a:p>
             <a:fld id="{AC388E9C-BE03-4D12-9C2B-9D11FB1AF24E}" type="datetimeFigureOut">
               <a:rPr lang="de-DE" smtClean="0"/>
-              <a:t>30.08.2023</a:t>
+              <a:t>03.09.2023</a:t>
             </a:fld>
             <a:endParaRPr lang="de-DE"/>
           </a:p>
@@ -1415,7 +1415,7 @@
           <a:p>
             <a:fld id="{AC388E9C-BE03-4D12-9C2B-9D11FB1AF24E}" type="datetimeFigureOut">
               <a:rPr lang="de-DE" smtClean="0"/>
-              <a:t>30.08.2023</a:t>
+              <a:t>03.09.2023</a:t>
             </a:fld>
             <a:endParaRPr lang="de-DE"/>
           </a:p>
@@ -1827,7 +1827,7 @@
           <a:p>
             <a:fld id="{AC388E9C-BE03-4D12-9C2B-9D11FB1AF24E}" type="datetimeFigureOut">
               <a:rPr lang="de-DE" smtClean="0"/>
-              <a:t>30.08.2023</a:t>
+              <a:t>03.09.2023</a:t>
             </a:fld>
             <a:endParaRPr lang="de-DE"/>
           </a:p>
@@ -1968,7 +1968,7 @@
           <a:p>
             <a:fld id="{AC388E9C-BE03-4D12-9C2B-9D11FB1AF24E}" type="datetimeFigureOut">
               <a:rPr lang="de-DE" smtClean="0"/>
-              <a:t>30.08.2023</a:t>
+              <a:t>03.09.2023</a:t>
             </a:fld>
             <a:endParaRPr lang="de-DE"/>
           </a:p>
@@ -2081,7 +2081,7 @@
           <a:p>
             <a:fld id="{AC388E9C-BE03-4D12-9C2B-9D11FB1AF24E}" type="datetimeFigureOut">
               <a:rPr lang="de-DE" smtClean="0"/>
-              <a:t>30.08.2023</a:t>
+              <a:t>03.09.2023</a:t>
             </a:fld>
             <a:endParaRPr lang="de-DE"/>
           </a:p>
@@ -2392,7 +2392,7 @@
           <a:p>
             <a:fld id="{AC388E9C-BE03-4D12-9C2B-9D11FB1AF24E}" type="datetimeFigureOut">
               <a:rPr lang="de-DE" smtClean="0"/>
-              <a:t>30.08.2023</a:t>
+              <a:t>03.09.2023</a:t>
             </a:fld>
             <a:endParaRPr lang="de-DE"/>
           </a:p>
@@ -2680,7 +2680,7 @@
           <a:p>
             <a:fld id="{AC388E9C-BE03-4D12-9C2B-9D11FB1AF24E}" type="datetimeFigureOut">
               <a:rPr lang="de-DE" smtClean="0"/>
-              <a:t>30.08.2023</a:t>
+              <a:t>03.09.2023</a:t>
             </a:fld>
             <a:endParaRPr lang="de-DE"/>
           </a:p>
@@ -2921,7 +2921,7 @@
           <a:p>
             <a:fld id="{AC388E9C-BE03-4D12-9C2B-9D11FB1AF24E}" type="datetimeFigureOut">
               <a:rPr lang="de-DE" smtClean="0"/>
-              <a:t>30.08.2023</a:t>
+              <a:t>03.09.2023</a:t>
             </a:fld>
             <a:endParaRPr lang="de-DE"/>
           </a:p>
@@ -20578,8 +20578,8 @@
             </p:nvSpPr>
             <p:spPr>
               <a:xfrm>
-                <a:off x="9759978" y="1932973"/>
-                <a:ext cx="300788" cy="307777"/>
+                <a:off x="9801368" y="1929110"/>
+                <a:ext cx="211596" cy="307777"/>
               </a:xfrm>
               <a:prstGeom prst="rect">
                 <a:avLst/>
@@ -20599,31 +20599,12 @@
                       <m:jc m:val="centerGroup"/>
                     </m:oMathParaPr>
                     <m:oMath xmlns:m="http://schemas.openxmlformats.org/officeDocument/2006/math">
-                      <m:sSub>
-                        <m:sSubPr>
-                          <m:ctrlPr>
-                            <a:rPr lang="de-DE" sz="2000" b="1" i="1" smtClean="0">
-                              <a:latin typeface="Cambria Math" panose="02040503050406030204" pitchFamily="18" charset="0"/>
-                            </a:rPr>
-                          </m:ctrlPr>
-                        </m:sSubPr>
-                        <m:e>
-                          <m:r>
-                            <a:rPr lang="de-DE" sz="2000" b="1" i="1" smtClean="0">
-                              <a:latin typeface="Cambria Math" panose="02040503050406030204" pitchFamily="18" charset="0"/>
-                            </a:rPr>
-                            <m:t>𝒚</m:t>
-                          </m:r>
-                        </m:e>
-                        <m:sub>
-                          <m:r>
-                            <a:rPr lang="de-DE" sz="2000" b="1" i="1" smtClean="0">
-                              <a:latin typeface="Cambria Math" panose="02040503050406030204" pitchFamily="18" charset="0"/>
-                            </a:rPr>
-                            <m:t>𝒕</m:t>
-                          </m:r>
-                        </m:sub>
-                      </m:sSub>
+                      <m:r>
+                        <a:rPr lang="de-DE" sz="2000" b="1" i="1" dirty="0" smtClean="0">
+                          <a:latin typeface="Cambria Math" panose="02040503050406030204" pitchFamily="18" charset="0"/>
+                        </a:rPr>
+                        <m:t>𝒚</m:t>
+                      </m:r>
                     </m:oMath>
                   </m:oMathPara>
                 </a14:m>
@@ -20649,8 +20630,8 @@
             </p:nvSpPr>
             <p:spPr>
               <a:xfrm>
-                <a:off x="9759978" y="1932973"/>
-                <a:ext cx="300788" cy="307777"/>
+                <a:off x="9801368" y="1929110"/>
+                <a:ext cx="211596" cy="307777"/>
               </a:xfrm>
               <a:prstGeom prst="rect">
                 <a:avLst/>
@@ -20658,7 +20639,7 @@
               <a:blipFill>
                 <a:blip r:embed="rId11"/>
                 <a:stretch>
-                  <a:fillRect l="-20408" r="-8163" b="-25490"/>
+                  <a:fillRect l="-31429" r="-28571" b="-25490"/>
                 </a:stretch>
               </a:blipFill>
             </p:spPr>
@@ -20781,6 +20762,56 @@
               </a:rPr>
               <a:t>-Vector</a:t>
             </a:r>
+          </a:p>
+        </p:txBody>
+      </p:sp>
+      <p:sp>
+        <p:nvSpPr>
+          <p:cNvPr id="5" name="Rechteck: abgerundete Ecken 4">
+            <a:extLst>
+              <a:ext uri="{FF2B5EF4-FFF2-40B4-BE49-F238E27FC236}">
+                <a16:creationId xmlns:a16="http://schemas.microsoft.com/office/drawing/2014/main" id="{FA36EE66-DCD3-3A37-1A68-A918FF25E11A}"/>
+              </a:ext>
+            </a:extLst>
+          </p:cNvPr>
+          <p:cNvSpPr/>
+          <p:nvPr/>
+        </p:nvSpPr>
+        <p:spPr>
+          <a:xfrm>
+            <a:off x="1178352" y="1957531"/>
+            <a:ext cx="3344222" cy="279356"/>
+          </a:xfrm>
+          <a:prstGeom prst="roundRect">
+            <a:avLst/>
+          </a:prstGeom>
+          <a:noFill/>
+          <a:ln>
+            <a:prstDash val="dash"/>
+          </a:ln>
+        </p:spPr>
+        <p:style>
+          <a:lnRef idx="2">
+            <a:schemeClr val="accent1">
+              <a:shade val="15000"/>
+            </a:schemeClr>
+          </a:lnRef>
+          <a:fillRef idx="1">
+            <a:schemeClr val="accent1"/>
+          </a:fillRef>
+          <a:effectRef idx="0">
+            <a:schemeClr val="accent1"/>
+          </a:effectRef>
+          <a:fontRef idx="minor">
+            <a:schemeClr val="lt1"/>
+          </a:fontRef>
+        </p:style>
+        <p:txBody>
+          <a:bodyPr rtlCol="0" anchor="ctr"/>
+          <a:lstStyle/>
+          <a:p>
+            <a:pPr algn="ctr"/>
+            <a:endParaRPr lang="de-DE"/>
           </a:p>
         </p:txBody>
       </p:sp>
@@ -24091,6 +24122,192 @@
               </a:rPr>
               <a:t>3s</a:t>
             </a:r>
+          </a:p>
+        </p:txBody>
+      </p:sp>
+      <p:sp>
+        <p:nvSpPr>
+          <p:cNvPr id="2" name="Ellipse 1">
+            <a:extLst>
+              <a:ext uri="{FF2B5EF4-FFF2-40B4-BE49-F238E27FC236}">
+                <a16:creationId xmlns:a16="http://schemas.microsoft.com/office/drawing/2014/main" id="{03A7FE6B-056C-B5BF-2F22-C077F7A026B7}"/>
+              </a:ext>
+            </a:extLst>
+          </p:cNvPr>
+          <p:cNvSpPr/>
+          <p:nvPr/>
+        </p:nvSpPr>
+        <p:spPr>
+          <a:xfrm>
+            <a:off x="4820242" y="1655848"/>
+            <a:ext cx="131406" cy="131805"/>
+          </a:xfrm>
+          <a:prstGeom prst="ellipse">
+            <a:avLst/>
+          </a:prstGeom>
+          <a:noFill/>
+          <a:ln>
+            <a:noFill/>
+          </a:ln>
+        </p:spPr>
+        <p:style>
+          <a:lnRef idx="2">
+            <a:schemeClr val="accent1">
+              <a:shade val="15000"/>
+            </a:schemeClr>
+          </a:lnRef>
+          <a:fillRef idx="1">
+            <a:schemeClr val="accent1"/>
+          </a:fillRef>
+          <a:effectRef idx="0">
+            <a:schemeClr val="accent1"/>
+          </a:effectRef>
+          <a:fontRef idx="minor">
+            <a:schemeClr val="lt1"/>
+          </a:fontRef>
+        </p:style>
+        <p:txBody>
+          <a:bodyPr rtlCol="0" anchor="ctr"/>
+          <a:lstStyle/>
+          <a:p>
+            <a:pPr algn="ctr"/>
+            <a:r>
+              <a:rPr lang="de-DE" sz="1050" dirty="0">
+                <a:solidFill>
+                  <a:sysClr val="windowText" lastClr="000000"/>
+                </a:solidFill>
+              </a:rPr>
+              <a:t>2</a:t>
+            </a:r>
+            <a:endParaRPr lang="de-DE" sz="1400" dirty="0">
+              <a:solidFill>
+                <a:sysClr val="windowText" lastClr="000000"/>
+              </a:solidFill>
+            </a:endParaRPr>
+          </a:p>
+        </p:txBody>
+      </p:sp>
+      <p:sp>
+        <p:nvSpPr>
+          <p:cNvPr id="3" name="Ellipse 2">
+            <a:extLst>
+              <a:ext uri="{FF2B5EF4-FFF2-40B4-BE49-F238E27FC236}">
+                <a16:creationId xmlns:a16="http://schemas.microsoft.com/office/drawing/2014/main" id="{7F5173E5-1316-83BB-B349-98D35201569A}"/>
+              </a:ext>
+            </a:extLst>
+          </p:cNvPr>
+          <p:cNvSpPr/>
+          <p:nvPr/>
+        </p:nvSpPr>
+        <p:spPr>
+          <a:xfrm>
+            <a:off x="5368225" y="1654184"/>
+            <a:ext cx="131406" cy="131805"/>
+          </a:xfrm>
+          <a:prstGeom prst="ellipse">
+            <a:avLst/>
+          </a:prstGeom>
+          <a:noFill/>
+          <a:ln>
+            <a:noFill/>
+          </a:ln>
+        </p:spPr>
+        <p:style>
+          <a:lnRef idx="2">
+            <a:schemeClr val="accent1">
+              <a:shade val="15000"/>
+            </a:schemeClr>
+          </a:lnRef>
+          <a:fillRef idx="1">
+            <a:schemeClr val="accent1"/>
+          </a:fillRef>
+          <a:effectRef idx="0">
+            <a:schemeClr val="accent1"/>
+          </a:effectRef>
+          <a:fontRef idx="minor">
+            <a:schemeClr val="lt1"/>
+          </a:fontRef>
+        </p:style>
+        <p:txBody>
+          <a:bodyPr rtlCol="0" anchor="ctr"/>
+          <a:lstStyle/>
+          <a:p>
+            <a:pPr algn="ctr"/>
+            <a:r>
+              <a:rPr lang="de-DE" sz="1050" dirty="0">
+                <a:solidFill>
+                  <a:sysClr val="windowText" lastClr="000000"/>
+                </a:solidFill>
+              </a:rPr>
+              <a:t>4</a:t>
+            </a:r>
+            <a:endParaRPr lang="de-DE" sz="1400" dirty="0">
+              <a:solidFill>
+                <a:sysClr val="windowText" lastClr="000000"/>
+              </a:solidFill>
+            </a:endParaRPr>
+          </a:p>
+        </p:txBody>
+      </p:sp>
+      <p:sp>
+        <p:nvSpPr>
+          <p:cNvPr id="4" name="Ellipse 3">
+            <a:extLst>
+              <a:ext uri="{FF2B5EF4-FFF2-40B4-BE49-F238E27FC236}">
+                <a16:creationId xmlns:a16="http://schemas.microsoft.com/office/drawing/2014/main" id="{736738FA-242F-A27A-EB5B-8DC7E6C29508}"/>
+              </a:ext>
+            </a:extLst>
+          </p:cNvPr>
+          <p:cNvSpPr/>
+          <p:nvPr/>
+        </p:nvSpPr>
+        <p:spPr>
+          <a:xfrm>
+            <a:off x="5720804" y="1639789"/>
+            <a:ext cx="533985" cy="159795"/>
+          </a:xfrm>
+          <a:prstGeom prst="ellipse">
+            <a:avLst/>
+          </a:prstGeom>
+          <a:noFill/>
+          <a:ln>
+            <a:noFill/>
+          </a:ln>
+        </p:spPr>
+        <p:style>
+          <a:lnRef idx="2">
+            <a:schemeClr val="accent1">
+              <a:shade val="15000"/>
+            </a:schemeClr>
+          </a:lnRef>
+          <a:fillRef idx="1">
+            <a:schemeClr val="accent1"/>
+          </a:fillRef>
+          <a:effectRef idx="0">
+            <a:schemeClr val="accent1"/>
+          </a:effectRef>
+          <a:fontRef idx="minor">
+            <a:schemeClr val="lt1"/>
+          </a:fontRef>
+        </p:style>
+        <p:txBody>
+          <a:bodyPr rtlCol="0" anchor="ctr"/>
+          <a:lstStyle/>
+          <a:p>
+            <a:pPr algn="ctr"/>
+            <a:r>
+              <a:rPr lang="de-DE" sz="1050" dirty="0">
+                <a:solidFill>
+                  <a:sysClr val="windowText" lastClr="000000"/>
+                </a:solidFill>
+              </a:rPr>
+              <a:t>6,7</a:t>
+            </a:r>
+            <a:endParaRPr lang="de-DE" sz="1400" dirty="0">
+              <a:solidFill>
+                <a:sysClr val="windowText" lastClr="000000"/>
+              </a:solidFill>
+            </a:endParaRPr>
           </a:p>
         </p:txBody>
       </p:sp>
